--- a/과제PPT/데이터베이스 2강.pptx
+++ b/과제PPT/데이터베이스 2강.pptx
@@ -32,7 +32,14 @@
     <p:sldId id="310" r:id="rId26"/>
     <p:sldId id="311" r:id="rId27"/>
     <p:sldId id="298" r:id="rId28"/>
-    <p:sldId id="299" r:id="rId29"/>
+    <p:sldId id="316" r:id="rId29"/>
+    <p:sldId id="317" r:id="rId30"/>
+    <p:sldId id="318" r:id="rId31"/>
+    <p:sldId id="319" r:id="rId32"/>
+    <p:sldId id="320" r:id="rId33"/>
+    <p:sldId id="321" r:id="rId34"/>
+    <p:sldId id="322" r:id="rId35"/>
+    <p:sldId id="299" r:id="rId36"/>
   </p:sldIdLst>
   <p:sldSz cx="12192000" cy="6858000"/>
   <p:notesSz cx="6858000" cy="9144000"/>
@@ -989,7 +996,7 @@
             <a:fld id="{96DFF08F-DC6B-4601-B491-B0F83F6DD2DA}" type="datetimeFigureOut">
               <a:rPr lang="en-US" dirty="0"/>
               <a:pPr/>
-              <a:t>5/9/2023</a:t>
+              <a:t>5/10/2023</a:t>
             </a:fld>
             <a:endParaRPr lang="en-US" dirty="0"/>
           </a:p>
@@ -1206,7 +1213,7 @@
           <a:p>
             <a:fld id="{96DFF08F-DC6B-4601-B491-B0F83F6DD2DA}" type="datetimeFigureOut">
               <a:rPr lang="en-US" dirty="0"/>
-              <a:t>5/9/2023</a:t>
+              <a:t>5/10/2023</a:t>
             </a:fld>
             <a:endParaRPr lang="en-US" dirty="0"/>
           </a:p>
@@ -1381,7 +1388,7 @@
           <a:p>
             <a:fld id="{96DFF08F-DC6B-4601-B491-B0F83F6DD2DA}" type="datetimeFigureOut">
               <a:rPr lang="en-US" dirty="0"/>
-              <a:t>5/9/2023</a:t>
+              <a:t>5/10/2023</a:t>
             </a:fld>
             <a:endParaRPr lang="en-US" dirty="0"/>
           </a:p>
@@ -1546,7 +1553,7 @@
           <a:p>
             <a:fld id="{96DFF08F-DC6B-4601-B491-B0F83F6DD2DA}" type="datetimeFigureOut">
               <a:rPr lang="en-US" dirty="0"/>
-              <a:t>5/9/2023</a:t>
+              <a:t>5/10/2023</a:t>
             </a:fld>
             <a:endParaRPr lang="en-US" dirty="0"/>
           </a:p>
@@ -1815,7 +1822,7 @@
           <a:p>
             <a:fld id="{96DFF08F-DC6B-4601-B491-B0F83F6DD2DA}" type="datetimeFigureOut">
               <a:rPr lang="en-US" dirty="0"/>
-              <a:t>5/9/2023</a:t>
+              <a:t>5/10/2023</a:t>
             </a:fld>
             <a:endParaRPr lang="en-US" dirty="0"/>
           </a:p>
@@ -2133,7 +2140,7 @@
           <a:p>
             <a:fld id="{96DFF08F-DC6B-4601-B491-B0F83F6DD2DA}" type="datetimeFigureOut">
               <a:rPr lang="en-US" dirty="0"/>
-              <a:t>5/9/2023</a:t>
+              <a:t>5/10/2023</a:t>
             </a:fld>
             <a:endParaRPr lang="en-US" dirty="0"/>
           </a:p>
@@ -2552,7 +2559,7 @@
           <a:p>
             <a:fld id="{96DFF08F-DC6B-4601-B491-B0F83F6DD2DA}" type="datetimeFigureOut">
               <a:rPr lang="en-US" dirty="0"/>
-              <a:t>5/9/2023</a:t>
+              <a:t>5/10/2023</a:t>
             </a:fld>
             <a:endParaRPr lang="en-US" dirty="0"/>
           </a:p>
@@ -2665,7 +2672,7 @@
           <a:p>
             <a:fld id="{96DFF08F-DC6B-4601-B491-B0F83F6DD2DA}" type="datetimeFigureOut">
               <a:rPr lang="en-US" dirty="0"/>
-              <a:t>5/9/2023</a:t>
+              <a:t>5/10/2023</a:t>
             </a:fld>
             <a:endParaRPr lang="en-US" dirty="0"/>
           </a:p>
@@ -2755,7 +2762,7 @@
           <a:p>
             <a:fld id="{96DFF08F-DC6B-4601-B491-B0F83F6DD2DA}" type="datetimeFigureOut">
               <a:rPr lang="en-US" dirty="0"/>
-              <a:t>5/9/2023</a:t>
+              <a:t>5/10/2023</a:t>
             </a:fld>
             <a:endParaRPr lang="en-US" dirty="0"/>
           </a:p>
@@ -3040,7 +3047,7 @@
           <a:p>
             <a:fld id="{96DFF08F-DC6B-4601-B491-B0F83F6DD2DA}" type="datetimeFigureOut">
               <a:rPr lang="en-US" dirty="0"/>
-              <a:t>5/9/2023</a:t>
+              <a:t>5/10/2023</a:t>
             </a:fld>
             <a:endParaRPr lang="en-US" dirty="0"/>
           </a:p>
@@ -3307,7 +3314,7 @@
           <a:p>
             <a:fld id="{96DFF08F-DC6B-4601-B491-B0F83F6DD2DA}" type="datetimeFigureOut">
               <a:rPr lang="en-US" dirty="0"/>
-              <a:t>5/9/2023</a:t>
+              <a:t>5/10/2023</a:t>
             </a:fld>
             <a:endParaRPr lang="en-US" dirty="0"/>
           </a:p>
@@ -3557,7 +3564,7 @@
             <a:fld id="{96DFF08F-DC6B-4601-B491-B0F83F6DD2DA}" type="datetimeFigureOut">
               <a:rPr lang="en-US" dirty="0"/>
               <a:pPr/>
-              <a:t>5/9/2023</a:t>
+              <a:t>5/10/2023</a:t>
             </a:fld>
             <a:endParaRPr lang="en-US" dirty="0"/>
           </a:p>
@@ -6378,8 +6385,8 @@
           </a:prstGeom>
         </p:spPr>
       </p:pic>
-      <mc:AlternateContent xmlns:mc="http://schemas.openxmlformats.org/markup-compatibility/2006">
-        <mc:Choice xmlns:p14="http://schemas.microsoft.com/office/powerpoint/2010/main" Requires="p14">
+      <mc:AlternateContent xmlns:mc="http://schemas.openxmlformats.org/markup-compatibility/2006" xmlns:p14="http://schemas.microsoft.com/office/powerpoint/2010/main">
+        <mc:Choice Requires="p14">
           <p:contentPart p14:bwMode="auto" r:id="rId6">
             <p14:nvContentPartPr>
               <p14:cNvPr id="12" name="잉크 11">
@@ -6398,7 +6405,7 @@
             </p14:xfrm>
           </p:contentPart>
         </mc:Choice>
-        <mc:Fallback>
+        <mc:Fallback xmlns="">
           <p:pic>
             <p:nvPicPr>
               <p:cNvPr id="12" name="잉크 11">
@@ -6429,8 +6436,8 @@
           </p:pic>
         </mc:Fallback>
       </mc:AlternateContent>
-      <mc:AlternateContent xmlns:mc="http://schemas.openxmlformats.org/markup-compatibility/2006">
-        <mc:Choice xmlns:p14="http://schemas.microsoft.com/office/powerpoint/2010/main" Requires="p14">
+      <mc:AlternateContent xmlns:mc="http://schemas.openxmlformats.org/markup-compatibility/2006" xmlns:p14="http://schemas.microsoft.com/office/powerpoint/2010/main">
+        <mc:Choice Requires="p14">
           <p:contentPart p14:bwMode="auto" r:id="rId8">
             <p14:nvContentPartPr>
               <p14:cNvPr id="13" name="잉크 12">
@@ -6449,7 +6456,7 @@
             </p14:xfrm>
           </p:contentPart>
         </mc:Choice>
-        <mc:Fallback>
+        <mc:Fallback xmlns="">
           <p:pic>
             <p:nvPicPr>
               <p:cNvPr id="13" name="잉크 12">
@@ -6959,8 +6966,8 @@
           </a:p>
         </p:txBody>
       </p:sp>
-      <mc:AlternateContent xmlns:mc="http://schemas.openxmlformats.org/markup-compatibility/2006">
-        <mc:Choice xmlns:p14="http://schemas.microsoft.com/office/powerpoint/2010/main" Requires="p14">
+      <mc:AlternateContent xmlns:mc="http://schemas.openxmlformats.org/markup-compatibility/2006" xmlns:p14="http://schemas.microsoft.com/office/powerpoint/2010/main">
+        <mc:Choice Requires="p14">
           <p:contentPart p14:bwMode="auto" r:id="rId3">
             <p14:nvContentPartPr>
               <p14:cNvPr id="4" name="잉크 3">
@@ -6979,7 +6986,7 @@
             </p14:xfrm>
           </p:contentPart>
         </mc:Choice>
-        <mc:Fallback>
+        <mc:Fallback xmlns="">
           <p:pic>
             <p:nvPicPr>
               <p:cNvPr id="4" name="잉크 3">
@@ -7636,6 +7643,187 @@
           <a:chExt cx="0" cy="0"/>
         </a:xfrm>
       </p:grpSpPr>
+      <p:pic>
+        <p:nvPicPr>
+          <p:cNvPr id="3" name="그림 2">
+            <a:extLst>
+              <a:ext uri="{FF2B5EF4-FFF2-40B4-BE49-F238E27FC236}">
+                <a16:creationId xmlns:a16="http://schemas.microsoft.com/office/drawing/2014/main" id="{D73BEA05-153E-1722-1E0C-69D96544C86C}"/>
+              </a:ext>
+            </a:extLst>
+          </p:cNvPr>
+          <p:cNvPicPr>
+            <a:picLocks noChangeAspect="1"/>
+          </p:cNvPicPr>
+          <p:nvPr/>
+        </p:nvPicPr>
+        <p:blipFill>
+          <a:blip r:embed="rId2"/>
+          <a:stretch>
+            <a:fillRect/>
+          </a:stretch>
+        </p:blipFill>
+        <p:spPr>
+          <a:xfrm>
+            <a:off x="364787" y="326954"/>
+            <a:ext cx="7545835" cy="5116697"/>
+          </a:xfrm>
+          <a:prstGeom prst="rect">
+            <a:avLst/>
+          </a:prstGeom>
+        </p:spPr>
+      </p:pic>
+      <p:sp>
+        <p:nvSpPr>
+          <p:cNvPr id="4" name="TextBox 3">
+            <a:extLst>
+              <a:ext uri="{FF2B5EF4-FFF2-40B4-BE49-F238E27FC236}">
+                <a16:creationId xmlns:a16="http://schemas.microsoft.com/office/drawing/2014/main" id="{2943B942-9DAF-9D3D-5FDD-3B498FD85C4D}"/>
+              </a:ext>
+            </a:extLst>
+          </p:cNvPr>
+          <p:cNvSpPr txBox="1"/>
+          <p:nvPr/>
+        </p:nvSpPr>
+        <p:spPr>
+          <a:xfrm>
+            <a:off x="8143854" y="326954"/>
+            <a:ext cx="3896010" cy="584775"/>
+          </a:xfrm>
+          <a:prstGeom prst="rect">
+            <a:avLst/>
+          </a:prstGeom>
+          <a:noFill/>
+        </p:spPr>
+        <p:txBody>
+          <a:bodyPr wrap="square" rtlCol="0">
+            <a:spAutoFit/>
+          </a:bodyPr>
+          <a:lstStyle/>
+          <a:p>
+            <a:pPr marL="285750" indent="-285750">
+              <a:buFont typeface="Arial" panose="020B0604020202020204" pitchFamily="34" charset="0"/>
+              <a:buChar char="•"/>
+            </a:pPr>
+            <a:r>
+              <a:rPr lang="ko-KR" altLang="en-US" sz="3200" dirty="0">
+                <a:solidFill>
+                  <a:schemeClr val="accent6"/>
+                </a:solidFill>
+                <a:latin typeface="+mj-ea"/>
+                <a:ea typeface="+mj-ea"/>
+              </a:rPr>
+              <a:t>성적표 </a:t>
+            </a:r>
+            <a:r>
+              <a:rPr lang="en-US" altLang="ko-KR" sz="3200" dirty="0">
+                <a:solidFill>
+                  <a:schemeClr val="accent6"/>
+                </a:solidFill>
+                <a:latin typeface="+mj-ea"/>
+                <a:ea typeface="+mj-ea"/>
+              </a:rPr>
+              <a:t>SQL </a:t>
+            </a:r>
+            <a:r>
+              <a:rPr lang="ko-KR" altLang="en-US" sz="3200" dirty="0">
+                <a:solidFill>
+                  <a:schemeClr val="accent6"/>
+                </a:solidFill>
+                <a:latin typeface="+mj-ea"/>
+                <a:ea typeface="+mj-ea"/>
+              </a:rPr>
+              <a:t>실습</a:t>
+            </a:r>
+            <a:endParaRPr lang="en-US" altLang="ko-KR" sz="3200" dirty="0">
+              <a:solidFill>
+                <a:schemeClr val="accent6"/>
+              </a:solidFill>
+              <a:latin typeface="+mj-ea"/>
+              <a:ea typeface="+mj-ea"/>
+            </a:endParaRPr>
+          </a:p>
+        </p:txBody>
+      </p:sp>
+      <p:pic>
+        <p:nvPicPr>
+          <p:cNvPr id="6" name="그림 5">
+            <a:extLst>
+              <a:ext uri="{FF2B5EF4-FFF2-40B4-BE49-F238E27FC236}">
+                <a16:creationId xmlns:a16="http://schemas.microsoft.com/office/drawing/2014/main" id="{9316EC80-259C-3288-E97A-1D367B70128F}"/>
+              </a:ext>
+            </a:extLst>
+          </p:cNvPr>
+          <p:cNvPicPr>
+            <a:picLocks noChangeAspect="1"/>
+          </p:cNvPicPr>
+          <p:nvPr/>
+        </p:nvPicPr>
+        <p:blipFill>
+          <a:blip r:embed="rId3"/>
+          <a:stretch>
+            <a:fillRect/>
+          </a:stretch>
+        </p:blipFill>
+        <p:spPr>
+          <a:xfrm>
+            <a:off x="364787" y="5443652"/>
+            <a:ext cx="5571779" cy="1172160"/>
+          </a:xfrm>
+          <a:prstGeom prst="rect">
+            <a:avLst/>
+          </a:prstGeom>
+        </p:spPr>
+      </p:pic>
+      <p:sp>
+        <p:nvSpPr>
+          <p:cNvPr id="7" name="TextBox 6">
+            <a:extLst>
+              <a:ext uri="{FF2B5EF4-FFF2-40B4-BE49-F238E27FC236}">
+                <a16:creationId xmlns:a16="http://schemas.microsoft.com/office/drawing/2014/main" id="{00E729F9-3F03-BBD6-3B46-DFA146248ADC}"/>
+              </a:ext>
+            </a:extLst>
+          </p:cNvPr>
+          <p:cNvSpPr txBox="1"/>
+          <p:nvPr/>
+        </p:nvSpPr>
+        <p:spPr>
+          <a:xfrm>
+            <a:off x="6143265" y="5730797"/>
+            <a:ext cx="4498705" cy="400110"/>
+          </a:xfrm>
+          <a:prstGeom prst="rect">
+            <a:avLst/>
+          </a:prstGeom>
+          <a:noFill/>
+        </p:spPr>
+        <p:txBody>
+          <a:bodyPr wrap="square" rtlCol="0">
+            <a:spAutoFit/>
+          </a:bodyPr>
+          <a:lstStyle/>
+          <a:p>
+            <a:pPr marL="342900" indent="-342900">
+              <a:buFont typeface="Arial" panose="020B0604020202020204" pitchFamily="34" charset="0"/>
+              <a:buChar char="•"/>
+            </a:pPr>
+            <a:r>
+              <a:rPr lang="en-US" altLang="ko-KR" sz="2000" dirty="0">
+                <a:latin typeface="+mj-ea"/>
+                <a:ea typeface="+mj-ea"/>
+              </a:rPr>
+              <a:t>table field </a:t>
+            </a:r>
+            <a:r>
+              <a:rPr lang="ko-KR" altLang="en-US" sz="2000" dirty="0">
+                <a:latin typeface="+mj-ea"/>
+                <a:ea typeface="+mj-ea"/>
+              </a:rPr>
+              <a:t>생성 확인</a:t>
+            </a:r>
+          </a:p>
+        </p:txBody>
+      </p:sp>
     </p:spTree>
     <p:extLst>
       <p:ext uri="{BB962C8B-B14F-4D97-AF65-F5344CB8AC3E}">
@@ -7666,6 +7854,157 @@
           <a:chExt cx="0" cy="0"/>
         </a:xfrm>
       </p:grpSpPr>
+      <p:sp>
+        <p:nvSpPr>
+          <p:cNvPr id="8" name="TextBox 7">
+            <a:extLst>
+              <a:ext uri="{FF2B5EF4-FFF2-40B4-BE49-F238E27FC236}">
+                <a16:creationId xmlns:a16="http://schemas.microsoft.com/office/drawing/2014/main" id="{80C34FF0-F922-D93C-69A4-B797F2DEF8C7}"/>
+              </a:ext>
+            </a:extLst>
+          </p:cNvPr>
+          <p:cNvSpPr txBox="1"/>
+          <p:nvPr/>
+        </p:nvSpPr>
+        <p:spPr>
+          <a:xfrm>
+            <a:off x="6953007" y="318977"/>
+            <a:ext cx="3896010" cy="584775"/>
+          </a:xfrm>
+          <a:prstGeom prst="rect">
+            <a:avLst/>
+          </a:prstGeom>
+          <a:noFill/>
+        </p:spPr>
+        <p:txBody>
+          <a:bodyPr wrap="square" rtlCol="0">
+            <a:spAutoFit/>
+          </a:bodyPr>
+          <a:lstStyle/>
+          <a:p>
+            <a:pPr marL="285750" indent="-285750">
+              <a:buFont typeface="Arial" panose="020B0604020202020204" pitchFamily="34" charset="0"/>
+              <a:buChar char="•"/>
+            </a:pPr>
+            <a:r>
+              <a:rPr lang="ko-KR" altLang="en-US" sz="3200" dirty="0">
+                <a:solidFill>
+                  <a:schemeClr val="accent6"/>
+                </a:solidFill>
+                <a:latin typeface="+mj-ea"/>
+                <a:ea typeface="+mj-ea"/>
+              </a:rPr>
+              <a:t>성적표 </a:t>
+            </a:r>
+            <a:r>
+              <a:rPr lang="en-US" altLang="ko-KR" sz="3200" dirty="0">
+                <a:solidFill>
+                  <a:schemeClr val="accent6"/>
+                </a:solidFill>
+                <a:latin typeface="+mj-ea"/>
+                <a:ea typeface="+mj-ea"/>
+              </a:rPr>
+              <a:t>SQL </a:t>
+            </a:r>
+            <a:r>
+              <a:rPr lang="ko-KR" altLang="en-US" sz="3200" dirty="0">
+                <a:solidFill>
+                  <a:schemeClr val="accent6"/>
+                </a:solidFill>
+                <a:latin typeface="+mj-ea"/>
+                <a:ea typeface="+mj-ea"/>
+              </a:rPr>
+              <a:t>실습</a:t>
+            </a:r>
+            <a:endParaRPr lang="en-US" altLang="ko-KR" sz="3200" dirty="0">
+              <a:solidFill>
+                <a:schemeClr val="accent6"/>
+              </a:solidFill>
+              <a:latin typeface="+mj-ea"/>
+              <a:ea typeface="+mj-ea"/>
+            </a:endParaRPr>
+          </a:p>
+        </p:txBody>
+      </p:sp>
+      <p:sp>
+        <p:nvSpPr>
+          <p:cNvPr id="11" name="TextBox 10">
+            <a:extLst>
+              <a:ext uri="{FF2B5EF4-FFF2-40B4-BE49-F238E27FC236}">
+                <a16:creationId xmlns:a16="http://schemas.microsoft.com/office/drawing/2014/main" id="{5D8C43D4-2C04-C3C8-E818-EDE9D79D4250}"/>
+              </a:ext>
+            </a:extLst>
+          </p:cNvPr>
+          <p:cNvSpPr txBox="1"/>
+          <p:nvPr/>
+        </p:nvSpPr>
+        <p:spPr>
+          <a:xfrm>
+            <a:off x="6953007" y="1087678"/>
+            <a:ext cx="8208535" cy="400110"/>
+          </a:xfrm>
+          <a:prstGeom prst="rect">
+            <a:avLst/>
+          </a:prstGeom>
+          <a:noFill/>
+        </p:spPr>
+        <p:txBody>
+          <a:bodyPr wrap="square" rtlCol="0">
+            <a:spAutoFit/>
+          </a:bodyPr>
+          <a:lstStyle/>
+          <a:p>
+            <a:pPr marL="342900" indent="-342900">
+              <a:buFont typeface="Arial" panose="020B0604020202020204" pitchFamily="34" charset="0"/>
+              <a:buChar char="•"/>
+            </a:pPr>
+            <a:r>
+              <a:rPr lang="en-US" altLang="ko-KR" sz="2000" dirty="0">
+                <a:latin typeface="+mj-ea"/>
+                <a:ea typeface="+mj-ea"/>
+              </a:rPr>
+              <a:t>1000</a:t>
+            </a:r>
+            <a:r>
+              <a:rPr lang="ko-KR" altLang="en-US" sz="2000" dirty="0">
+                <a:latin typeface="+mj-ea"/>
+                <a:ea typeface="+mj-ea"/>
+              </a:rPr>
+              <a:t>건 입력 시작</a:t>
+            </a:r>
+          </a:p>
+        </p:txBody>
+      </p:sp>
+      <p:pic>
+        <p:nvPicPr>
+          <p:cNvPr id="15" name="그림 14">
+            <a:extLst>
+              <a:ext uri="{FF2B5EF4-FFF2-40B4-BE49-F238E27FC236}">
+                <a16:creationId xmlns:a16="http://schemas.microsoft.com/office/drawing/2014/main" id="{001EFA67-A7FC-73B0-D758-EBFD0693AC45}"/>
+              </a:ext>
+            </a:extLst>
+          </p:cNvPr>
+          <p:cNvPicPr>
+            <a:picLocks noChangeAspect="1"/>
+          </p:cNvPicPr>
+          <p:nvPr/>
+        </p:nvPicPr>
+        <p:blipFill>
+          <a:blip r:embed="rId2"/>
+          <a:stretch>
+            <a:fillRect/>
+          </a:stretch>
+        </p:blipFill>
+        <p:spPr>
+          <a:xfrm>
+            <a:off x="333340" y="318977"/>
+            <a:ext cx="6619668" cy="6287239"/>
+          </a:xfrm>
+          <a:prstGeom prst="rect">
+            <a:avLst/>
+          </a:prstGeom>
+        </p:spPr>
+      </p:pic>
     </p:spTree>
     <p:extLst>
       <p:ext uri="{BB962C8B-B14F-4D97-AF65-F5344CB8AC3E}">
@@ -7696,6 +8035,205 @@
           <a:chExt cx="0" cy="0"/>
         </a:xfrm>
       </p:grpSpPr>
+      <p:pic>
+        <p:nvPicPr>
+          <p:cNvPr id="3" name="그림 2">
+            <a:extLst>
+              <a:ext uri="{FF2B5EF4-FFF2-40B4-BE49-F238E27FC236}">
+                <a16:creationId xmlns:a16="http://schemas.microsoft.com/office/drawing/2014/main" id="{7DCA3F5B-204C-3479-BB1A-69B5B122D1C6}"/>
+              </a:ext>
+            </a:extLst>
+          </p:cNvPr>
+          <p:cNvPicPr>
+            <a:picLocks noChangeAspect="1"/>
+          </p:cNvPicPr>
+          <p:nvPr/>
+        </p:nvPicPr>
+        <p:blipFill>
+          <a:blip r:embed="rId2"/>
+          <a:stretch>
+            <a:fillRect/>
+          </a:stretch>
+        </p:blipFill>
+        <p:spPr>
+          <a:xfrm>
+            <a:off x="409447" y="349389"/>
+            <a:ext cx="2822851" cy="3153101"/>
+          </a:xfrm>
+          <a:prstGeom prst="rect">
+            <a:avLst/>
+          </a:prstGeom>
+        </p:spPr>
+      </p:pic>
+      <p:pic>
+        <p:nvPicPr>
+          <p:cNvPr id="5" name="그림 4">
+            <a:extLst>
+              <a:ext uri="{FF2B5EF4-FFF2-40B4-BE49-F238E27FC236}">
+                <a16:creationId xmlns:a16="http://schemas.microsoft.com/office/drawing/2014/main" id="{5A70EC48-A320-9990-B197-77A7F814C840}"/>
+              </a:ext>
+            </a:extLst>
+          </p:cNvPr>
+          <p:cNvPicPr>
+            <a:picLocks noChangeAspect="1"/>
+          </p:cNvPicPr>
+          <p:nvPr/>
+        </p:nvPicPr>
+        <p:blipFill>
+          <a:blip r:embed="rId3"/>
+          <a:stretch>
+            <a:fillRect/>
+          </a:stretch>
+        </p:blipFill>
+        <p:spPr>
+          <a:xfrm>
+            <a:off x="3232299" y="349389"/>
+            <a:ext cx="2806260" cy="3153101"/>
+          </a:xfrm>
+          <a:prstGeom prst="rect">
+            <a:avLst/>
+          </a:prstGeom>
+        </p:spPr>
+      </p:pic>
+      <p:pic>
+        <p:nvPicPr>
+          <p:cNvPr id="7" name="그림 6">
+            <a:extLst>
+              <a:ext uri="{FF2B5EF4-FFF2-40B4-BE49-F238E27FC236}">
+                <a16:creationId xmlns:a16="http://schemas.microsoft.com/office/drawing/2014/main" id="{2508B548-F977-D4AB-B324-75CC41BBE3B7}"/>
+              </a:ext>
+            </a:extLst>
+          </p:cNvPr>
+          <p:cNvPicPr>
+            <a:picLocks noChangeAspect="1"/>
+          </p:cNvPicPr>
+          <p:nvPr/>
+        </p:nvPicPr>
+        <p:blipFill>
+          <a:blip r:embed="rId4"/>
+          <a:stretch>
+            <a:fillRect/>
+          </a:stretch>
+        </p:blipFill>
+        <p:spPr>
+          <a:xfrm>
+            <a:off x="6153444" y="349389"/>
+            <a:ext cx="2824490" cy="3153101"/>
+          </a:xfrm>
+          <a:prstGeom prst="rect">
+            <a:avLst/>
+          </a:prstGeom>
+        </p:spPr>
+      </p:pic>
+      <p:pic>
+        <p:nvPicPr>
+          <p:cNvPr id="9" name="그림 8">
+            <a:extLst>
+              <a:ext uri="{FF2B5EF4-FFF2-40B4-BE49-F238E27FC236}">
+                <a16:creationId xmlns:a16="http://schemas.microsoft.com/office/drawing/2014/main" id="{CA60C1F4-1B13-0EC9-5267-5A1226EB3CEF}"/>
+              </a:ext>
+            </a:extLst>
+          </p:cNvPr>
+          <p:cNvPicPr>
+            <a:picLocks noChangeAspect="1"/>
+          </p:cNvPicPr>
+          <p:nvPr/>
+        </p:nvPicPr>
+        <p:blipFill>
+          <a:blip r:embed="rId5"/>
+          <a:stretch>
+            <a:fillRect/>
+          </a:stretch>
+        </p:blipFill>
+        <p:spPr>
+          <a:xfrm>
+            <a:off x="8977934" y="349389"/>
+            <a:ext cx="2755061" cy="3153101"/>
+          </a:xfrm>
+          <a:prstGeom prst="rect">
+            <a:avLst/>
+          </a:prstGeom>
+        </p:spPr>
+      </p:pic>
+      <p:pic>
+        <p:nvPicPr>
+          <p:cNvPr id="11" name="그림 10">
+            <a:extLst>
+              <a:ext uri="{FF2B5EF4-FFF2-40B4-BE49-F238E27FC236}">
+                <a16:creationId xmlns:a16="http://schemas.microsoft.com/office/drawing/2014/main" id="{5E795197-2FDF-FF78-E60E-7D17E3CAD142}"/>
+              </a:ext>
+            </a:extLst>
+          </p:cNvPr>
+          <p:cNvPicPr>
+            <a:picLocks noChangeAspect="1"/>
+          </p:cNvPicPr>
+          <p:nvPr/>
+        </p:nvPicPr>
+        <p:blipFill>
+          <a:blip r:embed="rId6"/>
+          <a:stretch>
+            <a:fillRect/>
+          </a:stretch>
+        </p:blipFill>
+        <p:spPr>
+          <a:xfrm>
+            <a:off x="409447" y="3830879"/>
+            <a:ext cx="2876951" cy="2343477"/>
+          </a:xfrm>
+          <a:prstGeom prst="rect">
+            <a:avLst/>
+          </a:prstGeom>
+        </p:spPr>
+      </p:pic>
+      <p:sp>
+        <p:nvSpPr>
+          <p:cNvPr id="12" name="TextBox 11">
+            <a:extLst>
+              <a:ext uri="{FF2B5EF4-FFF2-40B4-BE49-F238E27FC236}">
+                <a16:creationId xmlns:a16="http://schemas.microsoft.com/office/drawing/2014/main" id="{78CD64F9-6804-A782-169A-C583D15EF7D9}"/>
+              </a:ext>
+            </a:extLst>
+          </p:cNvPr>
+          <p:cNvSpPr txBox="1"/>
+          <p:nvPr/>
+        </p:nvSpPr>
+        <p:spPr>
+          <a:xfrm>
+            <a:off x="3524459" y="3830878"/>
+            <a:ext cx="8208535" cy="400110"/>
+          </a:xfrm>
+          <a:prstGeom prst="rect">
+            <a:avLst/>
+          </a:prstGeom>
+          <a:noFill/>
+        </p:spPr>
+        <p:txBody>
+          <a:bodyPr wrap="square" rtlCol="0">
+            <a:spAutoFit/>
+          </a:bodyPr>
+          <a:lstStyle/>
+          <a:p>
+            <a:pPr marL="342900" indent="-342900">
+              <a:buFont typeface="Arial" panose="020B0604020202020204" pitchFamily="34" charset="0"/>
+              <a:buChar char="•"/>
+            </a:pPr>
+            <a:r>
+              <a:rPr lang="en-US" altLang="ko-KR" sz="2000" dirty="0">
+                <a:latin typeface="+mj-ea"/>
+                <a:ea typeface="+mj-ea"/>
+              </a:rPr>
+              <a:t>1000</a:t>
+            </a:r>
+            <a:r>
+              <a:rPr lang="ko-KR" altLang="en-US" sz="2000" dirty="0">
+                <a:latin typeface="+mj-ea"/>
+                <a:ea typeface="+mj-ea"/>
+              </a:rPr>
+              <a:t>건 입력 확인 완료</a:t>
+            </a:r>
+          </a:p>
+        </p:txBody>
+      </p:sp>
     </p:spTree>
     <p:extLst>
       <p:ext uri="{BB962C8B-B14F-4D97-AF65-F5344CB8AC3E}">
@@ -7726,6 +8264,291 @@
           <a:chExt cx="0" cy="0"/>
         </a:xfrm>
       </p:grpSpPr>
+      <p:sp>
+        <p:nvSpPr>
+          <p:cNvPr id="8" name="TextBox 7">
+            <a:extLst>
+              <a:ext uri="{FF2B5EF4-FFF2-40B4-BE49-F238E27FC236}">
+                <a16:creationId xmlns:a16="http://schemas.microsoft.com/office/drawing/2014/main" id="{E04882F7-64C2-B3EB-F100-076041200665}"/>
+              </a:ext>
+            </a:extLst>
+          </p:cNvPr>
+          <p:cNvSpPr txBox="1"/>
+          <p:nvPr/>
+        </p:nvSpPr>
+        <p:spPr>
+          <a:xfrm>
+            <a:off x="7301592" y="304554"/>
+            <a:ext cx="3896010" cy="584775"/>
+          </a:xfrm>
+          <a:prstGeom prst="rect">
+            <a:avLst/>
+          </a:prstGeom>
+          <a:noFill/>
+        </p:spPr>
+        <p:txBody>
+          <a:bodyPr wrap="square" rtlCol="0">
+            <a:spAutoFit/>
+          </a:bodyPr>
+          <a:lstStyle/>
+          <a:p>
+            <a:pPr marL="285750" indent="-285750">
+              <a:buFont typeface="Arial" panose="020B0604020202020204" pitchFamily="34" charset="0"/>
+              <a:buChar char="•"/>
+            </a:pPr>
+            <a:r>
+              <a:rPr lang="ko-KR" altLang="en-US" sz="3200" dirty="0">
+                <a:solidFill>
+                  <a:schemeClr val="accent6"/>
+                </a:solidFill>
+                <a:latin typeface="+mj-ea"/>
+                <a:ea typeface="+mj-ea"/>
+              </a:rPr>
+              <a:t>성적표 </a:t>
+            </a:r>
+            <a:r>
+              <a:rPr lang="en-US" altLang="ko-KR" sz="3200" dirty="0">
+                <a:solidFill>
+                  <a:schemeClr val="accent6"/>
+                </a:solidFill>
+                <a:latin typeface="+mj-ea"/>
+                <a:ea typeface="+mj-ea"/>
+              </a:rPr>
+              <a:t>SQL </a:t>
+            </a:r>
+            <a:r>
+              <a:rPr lang="ko-KR" altLang="en-US" sz="3200" dirty="0">
+                <a:solidFill>
+                  <a:schemeClr val="accent6"/>
+                </a:solidFill>
+                <a:latin typeface="+mj-ea"/>
+                <a:ea typeface="+mj-ea"/>
+              </a:rPr>
+              <a:t>실습</a:t>
+            </a:r>
+            <a:endParaRPr lang="en-US" altLang="ko-KR" sz="3200" dirty="0">
+              <a:solidFill>
+                <a:schemeClr val="accent6"/>
+              </a:solidFill>
+              <a:latin typeface="+mj-ea"/>
+              <a:ea typeface="+mj-ea"/>
+            </a:endParaRPr>
+          </a:p>
+        </p:txBody>
+      </p:sp>
+      <p:sp>
+        <p:nvSpPr>
+          <p:cNvPr id="9" name="TextBox 8">
+            <a:extLst>
+              <a:ext uri="{FF2B5EF4-FFF2-40B4-BE49-F238E27FC236}">
+                <a16:creationId xmlns:a16="http://schemas.microsoft.com/office/drawing/2014/main" id="{EB467196-13FA-6D22-4D4F-D63A469D520F}"/>
+              </a:ext>
+            </a:extLst>
+          </p:cNvPr>
+          <p:cNvSpPr txBox="1"/>
+          <p:nvPr/>
+        </p:nvSpPr>
+        <p:spPr>
+          <a:xfrm>
+            <a:off x="7301592" y="1487747"/>
+            <a:ext cx="4730281" cy="1015663"/>
+          </a:xfrm>
+          <a:prstGeom prst="rect">
+            <a:avLst/>
+          </a:prstGeom>
+          <a:noFill/>
+        </p:spPr>
+        <p:txBody>
+          <a:bodyPr wrap="square" rtlCol="0">
+            <a:spAutoFit/>
+          </a:bodyPr>
+          <a:lstStyle/>
+          <a:p>
+            <a:pPr marL="342900" indent="-342900">
+              <a:buFont typeface="Arial" panose="020B0604020202020204" pitchFamily="34" charset="0"/>
+              <a:buChar char="•"/>
+            </a:pPr>
+            <a:r>
+              <a:rPr lang="ko-KR" altLang="en-US" sz="2000" dirty="0">
+                <a:latin typeface="+mj-ea"/>
+                <a:ea typeface="+mj-ea"/>
+              </a:rPr>
+              <a:t>개인별 성적 조회</a:t>
+            </a:r>
+            <a:endParaRPr lang="en-US" altLang="ko-KR" sz="2000" dirty="0">
+              <a:latin typeface="+mj-ea"/>
+              <a:ea typeface="+mj-ea"/>
+            </a:endParaRPr>
+          </a:p>
+          <a:p>
+            <a:pPr marL="342900" indent="-342900">
+              <a:buFont typeface="Arial" panose="020B0604020202020204" pitchFamily="34" charset="0"/>
+              <a:buChar char="•"/>
+            </a:pPr>
+            <a:endParaRPr lang="en-US" altLang="ko-KR" sz="2000" dirty="0">
+              <a:latin typeface="+mj-ea"/>
+              <a:ea typeface="+mj-ea"/>
+            </a:endParaRPr>
+          </a:p>
+          <a:p>
+            <a:pPr marL="342900" indent="-342900">
+              <a:buFont typeface="Arial" panose="020B0604020202020204" pitchFamily="34" charset="0"/>
+              <a:buChar char="•"/>
+            </a:pPr>
+            <a:r>
+              <a:rPr lang="ko-KR" altLang="en-US" sz="2000" dirty="0">
+                <a:latin typeface="+mj-ea"/>
+                <a:ea typeface="+mj-ea"/>
+              </a:rPr>
+              <a:t>학번</a:t>
+            </a:r>
+            <a:r>
+              <a:rPr lang="en-US" altLang="ko-KR" sz="2000" dirty="0">
+                <a:latin typeface="+mj-ea"/>
+                <a:ea typeface="+mj-ea"/>
+              </a:rPr>
+              <a:t>/</a:t>
+            </a:r>
+            <a:r>
+              <a:rPr lang="ko-KR" altLang="en-US" sz="2000" dirty="0">
+                <a:latin typeface="+mj-ea"/>
+                <a:ea typeface="+mj-ea"/>
+              </a:rPr>
+              <a:t>이름</a:t>
+            </a:r>
+            <a:r>
+              <a:rPr lang="en-US" altLang="ko-KR" sz="2000" dirty="0">
+                <a:latin typeface="+mj-ea"/>
+                <a:ea typeface="+mj-ea"/>
+              </a:rPr>
+              <a:t>/</a:t>
+            </a:r>
+            <a:r>
+              <a:rPr lang="ko-KR" altLang="en-US" sz="2000" dirty="0">
+                <a:latin typeface="+mj-ea"/>
+                <a:ea typeface="+mj-ea"/>
+              </a:rPr>
+              <a:t>국어</a:t>
+            </a:r>
+            <a:r>
+              <a:rPr lang="en-US" altLang="ko-KR" sz="2000" dirty="0">
+                <a:latin typeface="+mj-ea"/>
+                <a:ea typeface="+mj-ea"/>
+              </a:rPr>
+              <a:t>/</a:t>
+            </a:r>
+            <a:r>
+              <a:rPr lang="ko-KR" altLang="en-US" sz="2000" dirty="0">
+                <a:latin typeface="+mj-ea"/>
+                <a:ea typeface="+mj-ea"/>
+              </a:rPr>
+              <a:t>영어</a:t>
+            </a:r>
+            <a:r>
+              <a:rPr lang="en-US" altLang="ko-KR" sz="2000" dirty="0">
+                <a:latin typeface="+mj-ea"/>
+                <a:ea typeface="+mj-ea"/>
+              </a:rPr>
+              <a:t>/</a:t>
+            </a:r>
+            <a:r>
+              <a:rPr lang="ko-KR" altLang="en-US" sz="2000" dirty="0">
+                <a:latin typeface="+mj-ea"/>
+                <a:ea typeface="+mj-ea"/>
+              </a:rPr>
+              <a:t>수학</a:t>
+            </a:r>
+            <a:r>
+              <a:rPr lang="en-US" altLang="ko-KR" sz="2000" dirty="0">
+                <a:latin typeface="+mj-ea"/>
+                <a:ea typeface="+mj-ea"/>
+              </a:rPr>
+              <a:t>/</a:t>
+            </a:r>
+            <a:r>
+              <a:rPr lang="ko-KR" altLang="en-US" sz="2000" dirty="0">
+                <a:latin typeface="+mj-ea"/>
+                <a:ea typeface="+mj-ea"/>
+              </a:rPr>
+              <a:t>합계</a:t>
+            </a:r>
+            <a:r>
+              <a:rPr lang="en-US" altLang="ko-KR" sz="2000" dirty="0">
+                <a:latin typeface="+mj-ea"/>
+                <a:ea typeface="+mj-ea"/>
+              </a:rPr>
+              <a:t>/</a:t>
+            </a:r>
+            <a:r>
+              <a:rPr lang="ko-KR" altLang="en-US" sz="2000" dirty="0">
+                <a:latin typeface="+mj-ea"/>
+                <a:ea typeface="+mj-ea"/>
+              </a:rPr>
+              <a:t>평균</a:t>
+            </a:r>
+          </a:p>
+        </p:txBody>
+      </p:sp>
+      <p:pic>
+        <p:nvPicPr>
+          <p:cNvPr id="13" name="그림 12">
+            <a:extLst>
+              <a:ext uri="{FF2B5EF4-FFF2-40B4-BE49-F238E27FC236}">
+                <a16:creationId xmlns:a16="http://schemas.microsoft.com/office/drawing/2014/main" id="{F302016B-C62D-854C-B4DC-B5D527391F8C}"/>
+              </a:ext>
+            </a:extLst>
+          </p:cNvPr>
+          <p:cNvPicPr>
+            <a:picLocks noChangeAspect="1"/>
+          </p:cNvPicPr>
+          <p:nvPr/>
+        </p:nvPicPr>
+        <p:blipFill>
+          <a:blip r:embed="rId2"/>
+          <a:stretch>
+            <a:fillRect/>
+          </a:stretch>
+        </p:blipFill>
+        <p:spPr>
+          <a:xfrm>
+            <a:off x="272668" y="304553"/>
+            <a:ext cx="6901855" cy="2498809"/>
+          </a:xfrm>
+          <a:prstGeom prst="rect">
+            <a:avLst/>
+          </a:prstGeom>
+        </p:spPr>
+      </p:pic>
+      <p:pic>
+        <p:nvPicPr>
+          <p:cNvPr id="15" name="그림 14">
+            <a:extLst>
+              <a:ext uri="{FF2B5EF4-FFF2-40B4-BE49-F238E27FC236}">
+                <a16:creationId xmlns:a16="http://schemas.microsoft.com/office/drawing/2014/main" id="{DE234595-7795-6B28-4DFE-76BB0DA45B44}"/>
+              </a:ext>
+            </a:extLst>
+          </p:cNvPr>
+          <p:cNvPicPr>
+            <a:picLocks noChangeAspect="1"/>
+          </p:cNvPicPr>
+          <p:nvPr/>
+        </p:nvPicPr>
+        <p:blipFill>
+          <a:blip r:embed="rId3"/>
+          <a:stretch>
+            <a:fillRect/>
+          </a:stretch>
+        </p:blipFill>
+        <p:spPr>
+          <a:xfrm>
+            <a:off x="272668" y="2803361"/>
+            <a:ext cx="6901855" cy="3761923"/>
+          </a:xfrm>
+          <a:prstGeom prst="rect">
+            <a:avLst/>
+          </a:prstGeom>
+        </p:spPr>
+      </p:pic>
     </p:spTree>
     <p:extLst>
       <p:ext uri="{BB962C8B-B14F-4D97-AF65-F5344CB8AC3E}">
@@ -7756,6 +8579,279 @@
           <a:chExt cx="0" cy="0"/>
         </a:xfrm>
       </p:grpSpPr>
+      <p:sp>
+        <p:nvSpPr>
+          <p:cNvPr id="10" name="TextBox 9">
+            <a:extLst>
+              <a:ext uri="{FF2B5EF4-FFF2-40B4-BE49-F238E27FC236}">
+                <a16:creationId xmlns:a16="http://schemas.microsoft.com/office/drawing/2014/main" id="{C8F160B5-BEEE-1E85-7BA2-0CCD5F87B781}"/>
+              </a:ext>
+            </a:extLst>
+          </p:cNvPr>
+          <p:cNvSpPr txBox="1"/>
+          <p:nvPr/>
+        </p:nvSpPr>
+        <p:spPr>
+          <a:xfrm>
+            <a:off x="324398" y="5301645"/>
+            <a:ext cx="4730281" cy="1015663"/>
+          </a:xfrm>
+          <a:prstGeom prst="rect">
+            <a:avLst/>
+          </a:prstGeom>
+          <a:noFill/>
+        </p:spPr>
+        <p:txBody>
+          <a:bodyPr wrap="square" rtlCol="0">
+            <a:spAutoFit/>
+          </a:bodyPr>
+          <a:lstStyle/>
+          <a:p>
+            <a:pPr marL="342900" indent="-342900">
+              <a:buFont typeface="Arial" panose="020B0604020202020204" pitchFamily="34" charset="0"/>
+              <a:buChar char="•"/>
+            </a:pPr>
+            <a:r>
+              <a:rPr lang="ko-KR" altLang="en-US" sz="2000" dirty="0">
+                <a:latin typeface="+mj-ea"/>
+                <a:ea typeface="+mj-ea"/>
+              </a:rPr>
+              <a:t>개인별 성적 조회 확인 완료</a:t>
+            </a:r>
+            <a:endParaRPr lang="en-US" altLang="ko-KR" sz="2000" dirty="0">
+              <a:latin typeface="+mj-ea"/>
+              <a:ea typeface="+mj-ea"/>
+            </a:endParaRPr>
+          </a:p>
+          <a:p>
+            <a:pPr marL="342900" indent="-342900">
+              <a:buFont typeface="Arial" panose="020B0604020202020204" pitchFamily="34" charset="0"/>
+              <a:buChar char="•"/>
+            </a:pPr>
+            <a:endParaRPr lang="en-US" altLang="ko-KR" sz="2000" dirty="0">
+              <a:latin typeface="+mj-ea"/>
+              <a:ea typeface="+mj-ea"/>
+            </a:endParaRPr>
+          </a:p>
+          <a:p>
+            <a:pPr marL="342900" indent="-342900">
+              <a:buFont typeface="Arial" panose="020B0604020202020204" pitchFamily="34" charset="0"/>
+              <a:buChar char="•"/>
+            </a:pPr>
+            <a:r>
+              <a:rPr lang="ko-KR" altLang="en-US" sz="2000" dirty="0">
+                <a:latin typeface="+mj-ea"/>
+                <a:ea typeface="+mj-ea"/>
+              </a:rPr>
+              <a:t>학번</a:t>
+            </a:r>
+            <a:r>
+              <a:rPr lang="en-US" altLang="ko-KR" sz="2000" dirty="0">
+                <a:latin typeface="+mj-ea"/>
+                <a:ea typeface="+mj-ea"/>
+              </a:rPr>
+              <a:t>/</a:t>
+            </a:r>
+            <a:r>
+              <a:rPr lang="ko-KR" altLang="en-US" sz="2000" dirty="0">
+                <a:latin typeface="+mj-ea"/>
+                <a:ea typeface="+mj-ea"/>
+              </a:rPr>
+              <a:t>이름</a:t>
+            </a:r>
+            <a:r>
+              <a:rPr lang="en-US" altLang="ko-KR" sz="2000" dirty="0">
+                <a:latin typeface="+mj-ea"/>
+                <a:ea typeface="+mj-ea"/>
+              </a:rPr>
+              <a:t>/</a:t>
+            </a:r>
+            <a:r>
+              <a:rPr lang="ko-KR" altLang="en-US" sz="2000" dirty="0">
+                <a:latin typeface="+mj-ea"/>
+                <a:ea typeface="+mj-ea"/>
+              </a:rPr>
+              <a:t>국어</a:t>
+            </a:r>
+            <a:r>
+              <a:rPr lang="en-US" altLang="ko-KR" sz="2000" dirty="0">
+                <a:latin typeface="+mj-ea"/>
+                <a:ea typeface="+mj-ea"/>
+              </a:rPr>
+              <a:t>/</a:t>
+            </a:r>
+            <a:r>
+              <a:rPr lang="ko-KR" altLang="en-US" sz="2000" dirty="0">
+                <a:latin typeface="+mj-ea"/>
+                <a:ea typeface="+mj-ea"/>
+              </a:rPr>
+              <a:t>영어</a:t>
+            </a:r>
+            <a:r>
+              <a:rPr lang="en-US" altLang="ko-KR" sz="2000" dirty="0">
+                <a:latin typeface="+mj-ea"/>
+                <a:ea typeface="+mj-ea"/>
+              </a:rPr>
+              <a:t>/</a:t>
+            </a:r>
+            <a:r>
+              <a:rPr lang="ko-KR" altLang="en-US" sz="2000" dirty="0">
+                <a:latin typeface="+mj-ea"/>
+                <a:ea typeface="+mj-ea"/>
+              </a:rPr>
+              <a:t>수학</a:t>
+            </a:r>
+            <a:r>
+              <a:rPr lang="en-US" altLang="ko-KR" sz="2000" dirty="0">
+                <a:latin typeface="+mj-ea"/>
+                <a:ea typeface="+mj-ea"/>
+              </a:rPr>
+              <a:t>/</a:t>
+            </a:r>
+            <a:r>
+              <a:rPr lang="ko-KR" altLang="en-US" sz="2000" dirty="0">
+                <a:latin typeface="+mj-ea"/>
+                <a:ea typeface="+mj-ea"/>
+              </a:rPr>
+              <a:t>합계</a:t>
+            </a:r>
+            <a:r>
+              <a:rPr lang="en-US" altLang="ko-KR" sz="2000" dirty="0">
+                <a:latin typeface="+mj-ea"/>
+                <a:ea typeface="+mj-ea"/>
+              </a:rPr>
+              <a:t>/</a:t>
+            </a:r>
+            <a:r>
+              <a:rPr lang="ko-KR" altLang="en-US" sz="2000" dirty="0">
+                <a:latin typeface="+mj-ea"/>
+                <a:ea typeface="+mj-ea"/>
+              </a:rPr>
+              <a:t>평균</a:t>
+            </a:r>
+          </a:p>
+        </p:txBody>
+      </p:sp>
+      <p:pic>
+        <p:nvPicPr>
+          <p:cNvPr id="12" name="그림 11">
+            <a:extLst>
+              <a:ext uri="{FF2B5EF4-FFF2-40B4-BE49-F238E27FC236}">
+                <a16:creationId xmlns:a16="http://schemas.microsoft.com/office/drawing/2014/main" id="{6638E66D-923D-8146-B7F8-9E5052FEEA22}"/>
+              </a:ext>
+            </a:extLst>
+          </p:cNvPr>
+          <p:cNvPicPr>
+            <a:picLocks noChangeAspect="1"/>
+          </p:cNvPicPr>
+          <p:nvPr/>
+        </p:nvPicPr>
+        <p:blipFill>
+          <a:blip r:embed="rId2"/>
+          <a:stretch>
+            <a:fillRect/>
+          </a:stretch>
+        </p:blipFill>
+        <p:spPr>
+          <a:xfrm>
+            <a:off x="324399" y="304800"/>
+            <a:ext cx="2482970" cy="4970789"/>
+          </a:xfrm>
+          <a:prstGeom prst="rect">
+            <a:avLst/>
+          </a:prstGeom>
+        </p:spPr>
+      </p:pic>
+      <p:pic>
+        <p:nvPicPr>
+          <p:cNvPr id="14" name="그림 13">
+            <a:extLst>
+              <a:ext uri="{FF2B5EF4-FFF2-40B4-BE49-F238E27FC236}">
+                <a16:creationId xmlns:a16="http://schemas.microsoft.com/office/drawing/2014/main" id="{61712551-B33D-892D-A018-54399EF6EEA1}"/>
+              </a:ext>
+            </a:extLst>
+          </p:cNvPr>
+          <p:cNvPicPr>
+            <a:picLocks noChangeAspect="1"/>
+          </p:cNvPicPr>
+          <p:nvPr/>
+        </p:nvPicPr>
+        <p:blipFill>
+          <a:blip r:embed="rId3"/>
+          <a:stretch>
+            <a:fillRect/>
+          </a:stretch>
+        </p:blipFill>
+        <p:spPr>
+          <a:xfrm>
+            <a:off x="2807369" y="304800"/>
+            <a:ext cx="2357629" cy="4970789"/>
+          </a:xfrm>
+          <a:prstGeom prst="rect">
+            <a:avLst/>
+          </a:prstGeom>
+        </p:spPr>
+      </p:pic>
+      <p:pic>
+        <p:nvPicPr>
+          <p:cNvPr id="16" name="그림 15">
+            <a:extLst>
+              <a:ext uri="{FF2B5EF4-FFF2-40B4-BE49-F238E27FC236}">
+                <a16:creationId xmlns:a16="http://schemas.microsoft.com/office/drawing/2014/main" id="{22136690-60CD-4DD5-5238-2B712D996DA3}"/>
+              </a:ext>
+            </a:extLst>
+          </p:cNvPr>
+          <p:cNvPicPr>
+            <a:picLocks noChangeAspect="1"/>
+          </p:cNvPicPr>
+          <p:nvPr/>
+        </p:nvPicPr>
+        <p:blipFill>
+          <a:blip r:embed="rId4"/>
+          <a:stretch>
+            <a:fillRect/>
+          </a:stretch>
+        </p:blipFill>
+        <p:spPr>
+          <a:xfrm>
+            <a:off x="5164998" y="304800"/>
+            <a:ext cx="2308731" cy="4970789"/>
+          </a:xfrm>
+          <a:prstGeom prst="rect">
+            <a:avLst/>
+          </a:prstGeom>
+        </p:spPr>
+      </p:pic>
+      <p:pic>
+        <p:nvPicPr>
+          <p:cNvPr id="20" name="그림 19">
+            <a:extLst>
+              <a:ext uri="{FF2B5EF4-FFF2-40B4-BE49-F238E27FC236}">
+                <a16:creationId xmlns:a16="http://schemas.microsoft.com/office/drawing/2014/main" id="{D9929039-70F3-FDD1-6419-465FBFCBBD74}"/>
+              </a:ext>
+            </a:extLst>
+          </p:cNvPr>
+          <p:cNvPicPr>
+            <a:picLocks noChangeAspect="1"/>
+          </p:cNvPicPr>
+          <p:nvPr/>
+        </p:nvPicPr>
+        <p:blipFill>
+          <a:blip r:embed="rId5"/>
+          <a:stretch>
+            <a:fillRect/>
+          </a:stretch>
+        </p:blipFill>
+        <p:spPr>
+          <a:xfrm>
+            <a:off x="7473729" y="304800"/>
+            <a:ext cx="2458513" cy="4970789"/>
+          </a:xfrm>
+          <a:prstGeom prst="rect">
+            <a:avLst/>
+          </a:prstGeom>
+        </p:spPr>
+      </p:pic>
     </p:spTree>
     <p:extLst>
       <p:ext uri="{BB962C8B-B14F-4D97-AF65-F5344CB8AC3E}">
@@ -7786,10 +8882,492 @@
           <a:chExt cx="0" cy="0"/>
         </a:xfrm>
       </p:grpSpPr>
+      <p:pic>
+        <p:nvPicPr>
+          <p:cNvPr id="7" name="그림 6">
+            <a:extLst>
+              <a:ext uri="{FF2B5EF4-FFF2-40B4-BE49-F238E27FC236}">
+                <a16:creationId xmlns:a16="http://schemas.microsoft.com/office/drawing/2014/main" id="{815D79CF-4179-0A77-F07B-BA42F4A5E197}"/>
+              </a:ext>
+            </a:extLst>
+          </p:cNvPr>
+          <p:cNvPicPr>
+            <a:picLocks noChangeAspect="1"/>
+          </p:cNvPicPr>
+          <p:nvPr/>
+        </p:nvPicPr>
+        <p:blipFill>
+          <a:blip r:embed="rId2"/>
+          <a:stretch>
+            <a:fillRect/>
+          </a:stretch>
+        </p:blipFill>
+        <p:spPr>
+          <a:xfrm>
+            <a:off x="321957" y="2417954"/>
+            <a:ext cx="6094885" cy="4058821"/>
+          </a:xfrm>
+          <a:prstGeom prst="rect">
+            <a:avLst/>
+          </a:prstGeom>
+        </p:spPr>
+      </p:pic>
+      <p:pic>
+        <p:nvPicPr>
+          <p:cNvPr id="11" name="그림 10">
+            <a:extLst>
+              <a:ext uri="{FF2B5EF4-FFF2-40B4-BE49-F238E27FC236}">
+                <a16:creationId xmlns:a16="http://schemas.microsoft.com/office/drawing/2014/main" id="{C7A65911-6078-F591-A8E5-E672B5488704}"/>
+              </a:ext>
+            </a:extLst>
+          </p:cNvPr>
+          <p:cNvPicPr>
+            <a:picLocks noChangeAspect="1"/>
+          </p:cNvPicPr>
+          <p:nvPr/>
+        </p:nvPicPr>
+        <p:blipFill>
+          <a:blip r:embed="rId3"/>
+          <a:stretch>
+            <a:fillRect/>
+          </a:stretch>
+        </p:blipFill>
+        <p:spPr>
+          <a:xfrm>
+            <a:off x="321957" y="362244"/>
+            <a:ext cx="6094885" cy="2055710"/>
+          </a:xfrm>
+          <a:prstGeom prst="rect">
+            <a:avLst/>
+          </a:prstGeom>
+        </p:spPr>
+      </p:pic>
+      <p:sp>
+        <p:nvSpPr>
+          <p:cNvPr id="12" name="TextBox 11">
+            <a:extLst>
+              <a:ext uri="{FF2B5EF4-FFF2-40B4-BE49-F238E27FC236}">
+                <a16:creationId xmlns:a16="http://schemas.microsoft.com/office/drawing/2014/main" id="{7B690E65-2DE3-B776-651D-8E0757A079F0}"/>
+              </a:ext>
+            </a:extLst>
+          </p:cNvPr>
+          <p:cNvSpPr txBox="1"/>
+          <p:nvPr/>
+        </p:nvSpPr>
+        <p:spPr>
+          <a:xfrm>
+            <a:off x="6659908" y="362244"/>
+            <a:ext cx="3896010" cy="584775"/>
+          </a:xfrm>
+          <a:prstGeom prst="rect">
+            <a:avLst/>
+          </a:prstGeom>
+          <a:noFill/>
+        </p:spPr>
+        <p:txBody>
+          <a:bodyPr wrap="square" rtlCol="0">
+            <a:spAutoFit/>
+          </a:bodyPr>
+          <a:lstStyle/>
+          <a:p>
+            <a:pPr marL="285750" indent="-285750">
+              <a:buFont typeface="Arial" panose="020B0604020202020204" pitchFamily="34" charset="0"/>
+              <a:buChar char="•"/>
+            </a:pPr>
+            <a:r>
+              <a:rPr lang="ko-KR" altLang="en-US" sz="3200" dirty="0">
+                <a:solidFill>
+                  <a:schemeClr val="accent6"/>
+                </a:solidFill>
+                <a:latin typeface="+mj-ea"/>
+                <a:ea typeface="+mj-ea"/>
+              </a:rPr>
+              <a:t>성적표 </a:t>
+            </a:r>
+            <a:r>
+              <a:rPr lang="en-US" altLang="ko-KR" sz="3200" dirty="0">
+                <a:solidFill>
+                  <a:schemeClr val="accent6"/>
+                </a:solidFill>
+                <a:latin typeface="+mj-ea"/>
+                <a:ea typeface="+mj-ea"/>
+              </a:rPr>
+              <a:t>SQL </a:t>
+            </a:r>
+            <a:r>
+              <a:rPr lang="ko-KR" altLang="en-US" sz="3200" dirty="0">
+                <a:solidFill>
+                  <a:schemeClr val="accent6"/>
+                </a:solidFill>
+                <a:latin typeface="+mj-ea"/>
+                <a:ea typeface="+mj-ea"/>
+              </a:rPr>
+              <a:t>실습</a:t>
+            </a:r>
+            <a:endParaRPr lang="en-US" altLang="ko-KR" sz="3200" dirty="0">
+              <a:solidFill>
+                <a:schemeClr val="accent6"/>
+              </a:solidFill>
+              <a:latin typeface="+mj-ea"/>
+              <a:ea typeface="+mj-ea"/>
+            </a:endParaRPr>
+          </a:p>
+        </p:txBody>
+      </p:sp>
+      <p:sp>
+        <p:nvSpPr>
+          <p:cNvPr id="13" name="TextBox 12">
+            <a:extLst>
+              <a:ext uri="{FF2B5EF4-FFF2-40B4-BE49-F238E27FC236}">
+                <a16:creationId xmlns:a16="http://schemas.microsoft.com/office/drawing/2014/main" id="{ADF7D58C-FF6C-9CCE-C8E0-49A11FA83140}"/>
+              </a:ext>
+            </a:extLst>
+          </p:cNvPr>
+          <p:cNvSpPr txBox="1"/>
+          <p:nvPr/>
+        </p:nvSpPr>
+        <p:spPr>
+          <a:xfrm>
+            <a:off x="6659908" y="1166905"/>
+            <a:ext cx="4730281" cy="2862322"/>
+          </a:xfrm>
+          <a:prstGeom prst="rect">
+            <a:avLst/>
+          </a:prstGeom>
+          <a:noFill/>
+        </p:spPr>
+        <p:txBody>
+          <a:bodyPr wrap="square" rtlCol="0">
+            <a:spAutoFit/>
+          </a:bodyPr>
+          <a:lstStyle/>
+          <a:p>
+            <a:pPr marL="342900" indent="-342900">
+              <a:buFont typeface="Arial" panose="020B0604020202020204" pitchFamily="34" charset="0"/>
+              <a:buChar char="•"/>
+            </a:pPr>
+            <a:r>
+              <a:rPr lang="en-US" altLang="ko-KR" sz="2000" dirty="0">
+                <a:latin typeface="+mj-ea"/>
+                <a:ea typeface="+mj-ea"/>
+              </a:rPr>
+              <a:t>30</a:t>
+            </a:r>
+            <a:r>
+              <a:rPr lang="ko-KR" altLang="en-US" sz="2000" dirty="0">
+                <a:latin typeface="+mj-ea"/>
+                <a:ea typeface="+mj-ea"/>
+              </a:rPr>
+              <a:t>명씩 </a:t>
+            </a:r>
+            <a:r>
+              <a:rPr lang="en-US" altLang="ko-KR" sz="2000" dirty="0">
+                <a:latin typeface="+mj-ea"/>
+                <a:ea typeface="+mj-ea"/>
+              </a:rPr>
+              <a:t>page</a:t>
+            </a:r>
+            <a:r>
+              <a:rPr lang="ko-KR" altLang="en-US" sz="2000" dirty="0">
+                <a:latin typeface="+mj-ea"/>
+                <a:ea typeface="+mj-ea"/>
+              </a:rPr>
+              <a:t>별로 구분 조회</a:t>
+            </a:r>
+            <a:endParaRPr lang="en-US" altLang="ko-KR" sz="2000" dirty="0">
+              <a:latin typeface="+mj-ea"/>
+              <a:ea typeface="+mj-ea"/>
+            </a:endParaRPr>
+          </a:p>
+          <a:p>
+            <a:pPr marL="342900" indent="-342900">
+              <a:buFont typeface="Arial" panose="020B0604020202020204" pitchFamily="34" charset="0"/>
+              <a:buChar char="•"/>
+            </a:pPr>
+            <a:endParaRPr lang="en-US" altLang="ko-KR" sz="2000" dirty="0">
+              <a:latin typeface="+mj-ea"/>
+              <a:ea typeface="+mj-ea"/>
+            </a:endParaRPr>
+          </a:p>
+          <a:p>
+            <a:pPr marL="342900" indent="-342900">
+              <a:buFont typeface="Arial" panose="020B0604020202020204" pitchFamily="34" charset="0"/>
+              <a:buChar char="•"/>
+            </a:pPr>
+            <a:r>
+              <a:rPr lang="ko-KR" altLang="en-US" sz="2000" dirty="0">
+                <a:latin typeface="+mj-ea"/>
+                <a:ea typeface="+mj-ea"/>
+              </a:rPr>
+              <a:t>학번</a:t>
+            </a:r>
+            <a:r>
+              <a:rPr lang="en-US" altLang="ko-KR" sz="2000" dirty="0">
+                <a:latin typeface="+mj-ea"/>
+                <a:ea typeface="+mj-ea"/>
+              </a:rPr>
+              <a:t>/</a:t>
+            </a:r>
+            <a:r>
+              <a:rPr lang="ko-KR" altLang="en-US" sz="2000" dirty="0">
+                <a:latin typeface="+mj-ea"/>
+                <a:ea typeface="+mj-ea"/>
+              </a:rPr>
+              <a:t>이름</a:t>
+            </a:r>
+            <a:r>
+              <a:rPr lang="en-US" altLang="ko-KR" sz="2000" dirty="0">
+                <a:latin typeface="+mj-ea"/>
+                <a:ea typeface="+mj-ea"/>
+              </a:rPr>
+              <a:t>/</a:t>
+            </a:r>
+            <a:r>
+              <a:rPr lang="ko-KR" altLang="en-US" sz="2000" dirty="0">
+                <a:latin typeface="+mj-ea"/>
+                <a:ea typeface="+mj-ea"/>
+              </a:rPr>
+              <a:t>국어</a:t>
+            </a:r>
+            <a:r>
+              <a:rPr lang="en-US" altLang="ko-KR" sz="2000" dirty="0">
+                <a:latin typeface="+mj-ea"/>
+                <a:ea typeface="+mj-ea"/>
+              </a:rPr>
+              <a:t>/</a:t>
+            </a:r>
+            <a:r>
+              <a:rPr lang="ko-KR" altLang="en-US" sz="2000" dirty="0">
+                <a:latin typeface="+mj-ea"/>
+                <a:ea typeface="+mj-ea"/>
+              </a:rPr>
+              <a:t>영어</a:t>
+            </a:r>
+            <a:r>
+              <a:rPr lang="en-US" altLang="ko-KR" sz="2000" dirty="0">
+                <a:latin typeface="+mj-ea"/>
+                <a:ea typeface="+mj-ea"/>
+              </a:rPr>
+              <a:t>/</a:t>
+            </a:r>
+            <a:r>
+              <a:rPr lang="ko-KR" altLang="en-US" sz="2000" dirty="0">
+                <a:latin typeface="+mj-ea"/>
+                <a:ea typeface="+mj-ea"/>
+              </a:rPr>
+              <a:t>수학</a:t>
+            </a:r>
+            <a:r>
+              <a:rPr lang="en-US" altLang="ko-KR" sz="2000" dirty="0">
+                <a:latin typeface="+mj-ea"/>
+                <a:ea typeface="+mj-ea"/>
+              </a:rPr>
+              <a:t>/</a:t>
+            </a:r>
+            <a:r>
+              <a:rPr lang="ko-KR" altLang="en-US" sz="2000" dirty="0">
+                <a:latin typeface="+mj-ea"/>
+                <a:ea typeface="+mj-ea"/>
+              </a:rPr>
+              <a:t>합계</a:t>
+            </a:r>
+            <a:r>
+              <a:rPr lang="en-US" altLang="ko-KR" sz="2000" dirty="0">
+                <a:latin typeface="+mj-ea"/>
+                <a:ea typeface="+mj-ea"/>
+              </a:rPr>
+              <a:t>/</a:t>
+            </a:r>
+            <a:r>
+              <a:rPr lang="ko-KR" altLang="en-US" sz="2000" dirty="0">
+                <a:latin typeface="+mj-ea"/>
+                <a:ea typeface="+mj-ea"/>
+              </a:rPr>
+              <a:t>평균</a:t>
+            </a:r>
+            <a:endParaRPr lang="en-US" altLang="ko-KR" sz="2000" dirty="0">
+              <a:latin typeface="+mj-ea"/>
+              <a:ea typeface="+mj-ea"/>
+            </a:endParaRPr>
+          </a:p>
+          <a:p>
+            <a:pPr marL="342900" indent="-342900">
+              <a:buFont typeface="Arial" panose="020B0604020202020204" pitchFamily="34" charset="0"/>
+              <a:buChar char="•"/>
+            </a:pPr>
+            <a:endParaRPr lang="en-US" altLang="ko-KR" sz="2000" dirty="0">
+              <a:latin typeface="+mj-ea"/>
+              <a:ea typeface="+mj-ea"/>
+            </a:endParaRPr>
+          </a:p>
+          <a:p>
+            <a:pPr marL="342900" indent="-342900">
+              <a:buFont typeface="Arial" panose="020B0604020202020204" pitchFamily="34" charset="0"/>
+              <a:buChar char="•"/>
+            </a:pPr>
+            <a:r>
+              <a:rPr lang="en-US" altLang="ko-KR" sz="2000" dirty="0" err="1">
+                <a:latin typeface="+mj-ea"/>
+                <a:ea typeface="+mj-ea"/>
+              </a:rPr>
+              <a:t>headPrint</a:t>
+            </a:r>
+            <a:r>
+              <a:rPr lang="en-US" altLang="ko-KR" sz="2000" dirty="0">
+                <a:latin typeface="+mj-ea"/>
+                <a:ea typeface="+mj-ea"/>
+              </a:rPr>
+              <a:t>, </a:t>
+            </a:r>
+            <a:r>
+              <a:rPr lang="en-US" altLang="ko-KR" sz="2000" dirty="0" err="1">
+                <a:latin typeface="+mj-ea"/>
+                <a:ea typeface="+mj-ea"/>
+              </a:rPr>
+              <a:t>linePrint</a:t>
+            </a:r>
+            <a:r>
+              <a:rPr lang="en-US" altLang="ko-KR" sz="2000" dirty="0">
+                <a:latin typeface="+mj-ea"/>
+                <a:ea typeface="+mj-ea"/>
+              </a:rPr>
+              <a:t>, </a:t>
+            </a:r>
+            <a:r>
+              <a:rPr lang="en-US" altLang="ko-KR" sz="2000" dirty="0" err="1">
+                <a:latin typeface="+mj-ea"/>
+                <a:ea typeface="+mj-ea"/>
+              </a:rPr>
+              <a:t>totalPrint</a:t>
+            </a:r>
+            <a:endParaRPr lang="en-US" altLang="ko-KR" sz="2000" dirty="0">
+              <a:latin typeface="+mj-ea"/>
+              <a:ea typeface="+mj-ea"/>
+            </a:endParaRPr>
+          </a:p>
+          <a:p>
+            <a:pPr marL="342900" indent="-342900">
+              <a:buFont typeface="Arial" panose="020B0604020202020204" pitchFamily="34" charset="0"/>
+              <a:buChar char="•"/>
+            </a:pPr>
+            <a:endParaRPr lang="en-US" altLang="ko-KR" sz="2000" dirty="0">
+              <a:latin typeface="+mj-ea"/>
+              <a:ea typeface="+mj-ea"/>
+            </a:endParaRPr>
+          </a:p>
+          <a:p>
+            <a:pPr marL="342900" indent="-342900">
+              <a:buFont typeface="Arial" panose="020B0604020202020204" pitchFamily="34" charset="0"/>
+              <a:buChar char="•"/>
+            </a:pPr>
+            <a:r>
+              <a:rPr lang="en-US" altLang="ko-KR" sz="2000" dirty="0">
+                <a:latin typeface="+mj-ea"/>
+                <a:ea typeface="+mj-ea"/>
+              </a:rPr>
+              <a:t>page</a:t>
+            </a:r>
+            <a:r>
+              <a:rPr lang="ko-KR" altLang="en-US" sz="2000" dirty="0">
+                <a:latin typeface="+mj-ea"/>
+                <a:ea typeface="+mj-ea"/>
+              </a:rPr>
+              <a:t> 합계 평균</a:t>
+            </a:r>
+            <a:endParaRPr lang="en-US" altLang="ko-KR" sz="2000" dirty="0">
+              <a:latin typeface="+mj-ea"/>
+              <a:ea typeface="+mj-ea"/>
+            </a:endParaRPr>
+          </a:p>
+          <a:p>
+            <a:pPr marL="342900" indent="-342900">
+              <a:buFont typeface="Arial" panose="020B0604020202020204" pitchFamily="34" charset="0"/>
+              <a:buChar char="•"/>
+            </a:pPr>
+            <a:endParaRPr lang="en-US" altLang="ko-KR" sz="2000" dirty="0">
+              <a:latin typeface="+mj-ea"/>
+              <a:ea typeface="+mj-ea"/>
+            </a:endParaRPr>
+          </a:p>
+          <a:p>
+            <a:pPr marL="342900" indent="-342900">
+              <a:buFont typeface="Arial" panose="020B0604020202020204" pitchFamily="34" charset="0"/>
+              <a:buChar char="•"/>
+            </a:pPr>
+            <a:r>
+              <a:rPr lang="ko-KR" altLang="en-US" sz="2000" dirty="0">
+                <a:latin typeface="+mj-ea"/>
+                <a:ea typeface="+mj-ea"/>
+              </a:rPr>
+              <a:t>누적 합계 평균 </a:t>
+            </a:r>
+          </a:p>
+        </p:txBody>
+      </p:sp>
     </p:spTree>
     <p:extLst>
       <p:ext uri="{BB962C8B-B14F-4D97-AF65-F5344CB8AC3E}">
-        <p14:creationId xmlns:p14="http://schemas.microsoft.com/office/powerpoint/2010/main" val="3075929694"/>
+        <p14:creationId xmlns:p14="http://schemas.microsoft.com/office/powerpoint/2010/main" val="2863382565"/>
+      </p:ext>
+    </p:extLst>
+  </p:cSld>
+  <p:clrMapOvr>
+    <a:masterClrMapping/>
+  </p:clrMapOvr>
+</p:sld>
+</file>
+
+<file path=ppt/slides/slide29.xml><?xml version="1.0" encoding="utf-8"?>
+<p:sld xmlns:a="http://schemas.openxmlformats.org/drawingml/2006/main" xmlns:r="http://schemas.openxmlformats.org/officeDocument/2006/relationships" xmlns:p="http://schemas.openxmlformats.org/presentationml/2006/main">
+  <p:cSld>
+    <p:spTree>
+      <p:nvGrpSpPr>
+        <p:cNvPr id="1" name=""/>
+        <p:cNvGrpSpPr/>
+        <p:nvPr/>
+      </p:nvGrpSpPr>
+      <p:grpSpPr>
+        <a:xfrm>
+          <a:off x="0" y="0"/>
+          <a:ext cx="0" cy="0"/>
+          <a:chOff x="0" y="0"/>
+          <a:chExt cx="0" cy="0"/>
+        </a:xfrm>
+      </p:grpSpPr>
+      <p:pic>
+        <p:nvPicPr>
+          <p:cNvPr id="3" name="그림 2">
+            <a:extLst>
+              <a:ext uri="{FF2B5EF4-FFF2-40B4-BE49-F238E27FC236}">
+                <a16:creationId xmlns:a16="http://schemas.microsoft.com/office/drawing/2014/main" id="{6FC95037-C19D-1852-B6FD-1B0B0BF3BAAE}"/>
+              </a:ext>
+            </a:extLst>
+          </p:cNvPr>
+          <p:cNvPicPr>
+            <a:picLocks noChangeAspect="1"/>
+          </p:cNvPicPr>
+          <p:nvPr/>
+        </p:nvPicPr>
+        <p:blipFill>
+          <a:blip r:embed="rId2"/>
+          <a:stretch>
+            <a:fillRect/>
+          </a:stretch>
+        </p:blipFill>
+        <p:spPr>
+          <a:xfrm>
+            <a:off x="332826" y="336884"/>
+            <a:ext cx="7078627" cy="6194630"/>
+          </a:xfrm>
+          <a:prstGeom prst="rect">
+            <a:avLst/>
+          </a:prstGeom>
+        </p:spPr>
+      </p:pic>
+    </p:spTree>
+    <p:extLst>
+      <p:ext uri="{BB962C8B-B14F-4D97-AF65-F5344CB8AC3E}">
+        <p14:creationId xmlns:p14="http://schemas.microsoft.com/office/powerpoint/2010/main" val="2921935269"/>
       </p:ext>
     </p:extLst>
   </p:cSld>
@@ -8639,8 +10217,8 @@
           </a:p>
         </p:txBody>
       </p:sp>
-      <mc:AlternateContent xmlns:mc="http://schemas.openxmlformats.org/markup-compatibility/2006">
-        <mc:Choice xmlns:p14="http://schemas.microsoft.com/office/powerpoint/2010/main" Requires="p14">
+      <mc:AlternateContent xmlns:mc="http://schemas.openxmlformats.org/markup-compatibility/2006" xmlns:p14="http://schemas.microsoft.com/office/powerpoint/2010/main">
+        <mc:Choice Requires="p14">
           <p:contentPart p14:bwMode="auto" r:id="rId4">
             <p14:nvContentPartPr>
               <p14:cNvPr id="7" name="잉크 6">
@@ -8659,7 +10237,7 @@
             </p14:xfrm>
           </p:contentPart>
         </mc:Choice>
-        <mc:Fallback>
+        <mc:Fallback xmlns="">
           <p:pic>
             <p:nvPicPr>
               <p:cNvPr id="7" name="잉크 6">
@@ -8690,8 +10268,8 @@
           </p:pic>
         </mc:Fallback>
       </mc:AlternateContent>
-      <mc:AlternateContent xmlns:mc="http://schemas.openxmlformats.org/markup-compatibility/2006">
-        <mc:Choice xmlns:p14="http://schemas.microsoft.com/office/powerpoint/2010/main" Requires="p14">
+      <mc:AlternateContent xmlns:mc="http://schemas.openxmlformats.org/markup-compatibility/2006" xmlns:p14="http://schemas.microsoft.com/office/powerpoint/2010/main">
+        <mc:Choice Requires="p14">
           <p:contentPart p14:bwMode="auto" r:id="rId6">
             <p14:nvContentPartPr>
               <p14:cNvPr id="11" name="잉크 10">
@@ -8710,7 +10288,7 @@
             </p14:xfrm>
           </p:contentPart>
         </mc:Choice>
-        <mc:Fallback>
+        <mc:Fallback xmlns="">
           <p:pic>
             <p:nvPicPr>
               <p:cNvPr id="11" name="잉크 10">
@@ -8745,6 +10323,496 @@
     <p:extLst>
       <p:ext uri="{BB962C8B-B14F-4D97-AF65-F5344CB8AC3E}">
         <p14:creationId xmlns:p14="http://schemas.microsoft.com/office/powerpoint/2010/main" val="163958128"/>
+      </p:ext>
+    </p:extLst>
+  </p:cSld>
+  <p:clrMapOvr>
+    <a:masterClrMapping/>
+  </p:clrMapOvr>
+</p:sld>
+</file>
+
+<file path=ppt/slides/slide30.xml><?xml version="1.0" encoding="utf-8"?>
+<p:sld xmlns:a="http://schemas.openxmlformats.org/drawingml/2006/main" xmlns:r="http://schemas.openxmlformats.org/officeDocument/2006/relationships" xmlns:p="http://schemas.openxmlformats.org/presentationml/2006/main">
+  <p:cSld>
+    <p:spTree>
+      <p:nvGrpSpPr>
+        <p:cNvPr id="1" name=""/>
+        <p:cNvGrpSpPr/>
+        <p:nvPr/>
+      </p:nvGrpSpPr>
+      <p:grpSpPr>
+        <a:xfrm>
+          <a:off x="0" y="0"/>
+          <a:ext cx="0" cy="0"/>
+          <a:chOff x="0" y="0"/>
+          <a:chExt cx="0" cy="0"/>
+        </a:xfrm>
+      </p:grpSpPr>
+      <p:pic>
+        <p:nvPicPr>
+          <p:cNvPr id="3" name="그림 2">
+            <a:extLst>
+              <a:ext uri="{FF2B5EF4-FFF2-40B4-BE49-F238E27FC236}">
+                <a16:creationId xmlns:a16="http://schemas.microsoft.com/office/drawing/2014/main" id="{4EAA05AE-DD71-EFDF-F02D-75FE993CBA14}"/>
+              </a:ext>
+            </a:extLst>
+          </p:cNvPr>
+          <p:cNvPicPr>
+            <a:picLocks noChangeAspect="1"/>
+          </p:cNvPicPr>
+          <p:nvPr/>
+        </p:nvPicPr>
+        <p:blipFill>
+          <a:blip r:embed="rId2"/>
+          <a:stretch>
+            <a:fillRect/>
+          </a:stretch>
+        </p:blipFill>
+        <p:spPr>
+          <a:xfrm>
+            <a:off x="347205" y="304800"/>
+            <a:ext cx="3117890" cy="6266170"/>
+          </a:xfrm>
+          <a:prstGeom prst="rect">
+            <a:avLst/>
+          </a:prstGeom>
+        </p:spPr>
+      </p:pic>
+      <p:pic>
+        <p:nvPicPr>
+          <p:cNvPr id="5" name="그림 4">
+            <a:extLst>
+              <a:ext uri="{FF2B5EF4-FFF2-40B4-BE49-F238E27FC236}">
+                <a16:creationId xmlns:a16="http://schemas.microsoft.com/office/drawing/2014/main" id="{556BFD64-4812-ADCD-7966-1D8DD88CE44F}"/>
+              </a:ext>
+            </a:extLst>
+          </p:cNvPr>
+          <p:cNvPicPr>
+            <a:picLocks noChangeAspect="1"/>
+          </p:cNvPicPr>
+          <p:nvPr/>
+        </p:nvPicPr>
+        <p:blipFill>
+          <a:blip r:embed="rId3"/>
+          <a:stretch>
+            <a:fillRect/>
+          </a:stretch>
+        </p:blipFill>
+        <p:spPr>
+          <a:xfrm>
+            <a:off x="3465096" y="304800"/>
+            <a:ext cx="3120870" cy="6266170"/>
+          </a:xfrm>
+          <a:prstGeom prst="rect">
+            <a:avLst/>
+          </a:prstGeom>
+        </p:spPr>
+      </p:pic>
+      <p:pic>
+        <p:nvPicPr>
+          <p:cNvPr id="7" name="그림 6">
+            <a:extLst>
+              <a:ext uri="{FF2B5EF4-FFF2-40B4-BE49-F238E27FC236}">
+                <a16:creationId xmlns:a16="http://schemas.microsoft.com/office/drawing/2014/main" id="{3CF4D35A-E6DE-CB69-BA77-9CC94D5A94F8}"/>
+              </a:ext>
+            </a:extLst>
+          </p:cNvPr>
+          <p:cNvPicPr>
+            <a:picLocks noChangeAspect="1"/>
+          </p:cNvPicPr>
+          <p:nvPr/>
+        </p:nvPicPr>
+        <p:blipFill>
+          <a:blip r:embed="rId4"/>
+          <a:stretch>
+            <a:fillRect/>
+          </a:stretch>
+        </p:blipFill>
+        <p:spPr>
+          <a:xfrm>
+            <a:off x="6585966" y="304800"/>
+            <a:ext cx="3120870" cy="6266121"/>
+          </a:xfrm>
+          <a:prstGeom prst="rect">
+            <a:avLst/>
+          </a:prstGeom>
+        </p:spPr>
+      </p:pic>
+    </p:spTree>
+    <p:extLst>
+      <p:ext uri="{BB962C8B-B14F-4D97-AF65-F5344CB8AC3E}">
+        <p14:creationId xmlns:p14="http://schemas.microsoft.com/office/powerpoint/2010/main" val="3931897105"/>
+      </p:ext>
+    </p:extLst>
+  </p:cSld>
+  <p:clrMapOvr>
+    <a:masterClrMapping/>
+  </p:clrMapOvr>
+</p:sld>
+</file>
+
+<file path=ppt/slides/slide31.xml><?xml version="1.0" encoding="utf-8"?>
+<p:sld xmlns:a="http://schemas.openxmlformats.org/drawingml/2006/main" xmlns:r="http://schemas.openxmlformats.org/officeDocument/2006/relationships" xmlns:p="http://schemas.openxmlformats.org/presentationml/2006/main">
+  <p:cSld>
+    <p:spTree>
+      <p:nvGrpSpPr>
+        <p:cNvPr id="1" name=""/>
+        <p:cNvGrpSpPr/>
+        <p:nvPr/>
+      </p:nvGrpSpPr>
+      <p:grpSpPr>
+        <a:xfrm>
+          <a:off x="0" y="0"/>
+          <a:ext cx="0" cy="0"/>
+          <a:chOff x="0" y="0"/>
+          <a:chExt cx="0" cy="0"/>
+        </a:xfrm>
+      </p:grpSpPr>
+      <p:pic>
+        <p:nvPicPr>
+          <p:cNvPr id="3" name="그림 2">
+            <a:extLst>
+              <a:ext uri="{FF2B5EF4-FFF2-40B4-BE49-F238E27FC236}">
+                <a16:creationId xmlns:a16="http://schemas.microsoft.com/office/drawing/2014/main" id="{F2D9D094-9D2E-E883-C412-6CBA3FE48ED5}"/>
+              </a:ext>
+            </a:extLst>
+          </p:cNvPr>
+          <p:cNvPicPr>
+            <a:picLocks noChangeAspect="1"/>
+          </p:cNvPicPr>
+          <p:nvPr/>
+        </p:nvPicPr>
+        <p:blipFill>
+          <a:blip r:embed="rId2"/>
+          <a:stretch>
+            <a:fillRect/>
+          </a:stretch>
+        </p:blipFill>
+        <p:spPr>
+          <a:xfrm>
+            <a:off x="307469" y="341338"/>
+            <a:ext cx="6806805" cy="6203841"/>
+          </a:xfrm>
+          <a:prstGeom prst="rect">
+            <a:avLst/>
+          </a:prstGeom>
+        </p:spPr>
+      </p:pic>
+      <p:sp>
+        <p:nvSpPr>
+          <p:cNvPr id="4" name="TextBox 3">
+            <a:extLst>
+              <a:ext uri="{FF2B5EF4-FFF2-40B4-BE49-F238E27FC236}">
+                <a16:creationId xmlns:a16="http://schemas.microsoft.com/office/drawing/2014/main" id="{EF9D4C45-4DF9-6A32-B0C6-C40E5EBD8F2B}"/>
+              </a:ext>
+            </a:extLst>
+          </p:cNvPr>
+          <p:cNvSpPr txBox="1"/>
+          <p:nvPr/>
+        </p:nvSpPr>
+        <p:spPr>
+          <a:xfrm>
+            <a:off x="7154250" y="341338"/>
+            <a:ext cx="4730281" cy="1938992"/>
+          </a:xfrm>
+          <a:prstGeom prst="rect">
+            <a:avLst/>
+          </a:prstGeom>
+          <a:noFill/>
+        </p:spPr>
+        <p:txBody>
+          <a:bodyPr wrap="square" rtlCol="0">
+            <a:spAutoFit/>
+          </a:bodyPr>
+          <a:lstStyle/>
+          <a:p>
+            <a:pPr marL="342900" indent="-342900">
+              <a:buFont typeface="Arial" panose="020B0604020202020204" pitchFamily="34" charset="0"/>
+              <a:buChar char="•"/>
+            </a:pPr>
+            <a:r>
+              <a:rPr lang="ko-KR" altLang="en-US" sz="2000" dirty="0">
+                <a:latin typeface="+mj-ea"/>
+                <a:ea typeface="+mj-ea"/>
+              </a:rPr>
+              <a:t>현재 페이지 성적 조회 확인 완료</a:t>
+            </a:r>
+            <a:endParaRPr lang="en-US" altLang="ko-KR" sz="2000" dirty="0">
+              <a:latin typeface="+mj-ea"/>
+              <a:ea typeface="+mj-ea"/>
+            </a:endParaRPr>
+          </a:p>
+          <a:p>
+            <a:pPr marL="342900" indent="-342900">
+              <a:buFont typeface="Arial" panose="020B0604020202020204" pitchFamily="34" charset="0"/>
+              <a:buChar char="•"/>
+            </a:pPr>
+            <a:endParaRPr lang="en-US" altLang="ko-KR" sz="2000" dirty="0">
+              <a:latin typeface="+mj-ea"/>
+              <a:ea typeface="+mj-ea"/>
+            </a:endParaRPr>
+          </a:p>
+          <a:p>
+            <a:pPr marL="342900" indent="-342900">
+              <a:buFont typeface="Arial" panose="020B0604020202020204" pitchFamily="34" charset="0"/>
+              <a:buChar char="•"/>
+            </a:pPr>
+            <a:r>
+              <a:rPr lang="ko-KR" altLang="en-US" sz="2000" dirty="0">
+                <a:latin typeface="+mj-ea"/>
+                <a:ea typeface="+mj-ea"/>
+              </a:rPr>
+              <a:t>누적 페이지 성적 조회 확인 완료</a:t>
+            </a:r>
+            <a:endParaRPr lang="en-US" altLang="ko-KR" sz="2000" dirty="0">
+              <a:latin typeface="+mj-ea"/>
+              <a:ea typeface="+mj-ea"/>
+            </a:endParaRPr>
+          </a:p>
+          <a:p>
+            <a:pPr marL="342900" indent="-342900">
+              <a:buFont typeface="Arial" panose="020B0604020202020204" pitchFamily="34" charset="0"/>
+              <a:buChar char="•"/>
+            </a:pPr>
+            <a:endParaRPr lang="en-US" altLang="ko-KR" sz="2000" dirty="0">
+              <a:latin typeface="+mj-ea"/>
+              <a:ea typeface="+mj-ea"/>
+            </a:endParaRPr>
+          </a:p>
+          <a:p>
+            <a:pPr marL="342900" indent="-342900">
+              <a:buFont typeface="Arial" panose="020B0604020202020204" pitchFamily="34" charset="0"/>
+              <a:buChar char="•"/>
+            </a:pPr>
+            <a:endParaRPr lang="en-US" altLang="ko-KR" sz="2000" dirty="0">
+              <a:latin typeface="+mj-ea"/>
+              <a:ea typeface="+mj-ea"/>
+            </a:endParaRPr>
+          </a:p>
+          <a:p>
+            <a:pPr marL="342900" indent="-342900">
+              <a:buFont typeface="Arial" panose="020B0604020202020204" pitchFamily="34" charset="0"/>
+              <a:buChar char="•"/>
+            </a:pPr>
+            <a:r>
+              <a:rPr lang="ko-KR" altLang="en-US" sz="2000" dirty="0">
+                <a:latin typeface="+mj-ea"/>
+                <a:ea typeface="+mj-ea"/>
+              </a:rPr>
+              <a:t>학번</a:t>
+            </a:r>
+            <a:r>
+              <a:rPr lang="en-US" altLang="ko-KR" sz="2000" dirty="0">
+                <a:latin typeface="+mj-ea"/>
+                <a:ea typeface="+mj-ea"/>
+              </a:rPr>
+              <a:t>/</a:t>
+            </a:r>
+            <a:r>
+              <a:rPr lang="ko-KR" altLang="en-US" sz="2000" dirty="0">
+                <a:latin typeface="+mj-ea"/>
+                <a:ea typeface="+mj-ea"/>
+              </a:rPr>
+              <a:t>이름</a:t>
+            </a:r>
+            <a:r>
+              <a:rPr lang="en-US" altLang="ko-KR" sz="2000" dirty="0">
+                <a:latin typeface="+mj-ea"/>
+                <a:ea typeface="+mj-ea"/>
+              </a:rPr>
+              <a:t>/</a:t>
+            </a:r>
+            <a:r>
+              <a:rPr lang="ko-KR" altLang="en-US" sz="2000" dirty="0">
+                <a:latin typeface="+mj-ea"/>
+                <a:ea typeface="+mj-ea"/>
+              </a:rPr>
+              <a:t>국어</a:t>
+            </a:r>
+            <a:r>
+              <a:rPr lang="en-US" altLang="ko-KR" sz="2000" dirty="0">
+                <a:latin typeface="+mj-ea"/>
+                <a:ea typeface="+mj-ea"/>
+              </a:rPr>
+              <a:t>/</a:t>
+            </a:r>
+            <a:r>
+              <a:rPr lang="ko-KR" altLang="en-US" sz="2000" dirty="0">
+                <a:latin typeface="+mj-ea"/>
+                <a:ea typeface="+mj-ea"/>
+              </a:rPr>
+              <a:t>영어</a:t>
+            </a:r>
+            <a:r>
+              <a:rPr lang="en-US" altLang="ko-KR" sz="2000" dirty="0">
+                <a:latin typeface="+mj-ea"/>
+                <a:ea typeface="+mj-ea"/>
+              </a:rPr>
+              <a:t>/</a:t>
+            </a:r>
+            <a:r>
+              <a:rPr lang="ko-KR" altLang="en-US" sz="2000" dirty="0">
+                <a:latin typeface="+mj-ea"/>
+                <a:ea typeface="+mj-ea"/>
+              </a:rPr>
+              <a:t>수학</a:t>
+            </a:r>
+            <a:r>
+              <a:rPr lang="en-US" altLang="ko-KR" sz="2000" dirty="0">
+                <a:latin typeface="+mj-ea"/>
+                <a:ea typeface="+mj-ea"/>
+              </a:rPr>
+              <a:t>/</a:t>
+            </a:r>
+            <a:r>
+              <a:rPr lang="ko-KR" altLang="en-US" sz="2000" dirty="0">
+                <a:latin typeface="+mj-ea"/>
+                <a:ea typeface="+mj-ea"/>
+              </a:rPr>
+              <a:t>합계</a:t>
+            </a:r>
+            <a:r>
+              <a:rPr lang="en-US" altLang="ko-KR" sz="2000" dirty="0">
+                <a:latin typeface="+mj-ea"/>
+                <a:ea typeface="+mj-ea"/>
+              </a:rPr>
+              <a:t>/</a:t>
+            </a:r>
+            <a:r>
+              <a:rPr lang="ko-KR" altLang="en-US" sz="2000" dirty="0">
+                <a:latin typeface="+mj-ea"/>
+                <a:ea typeface="+mj-ea"/>
+              </a:rPr>
+              <a:t>평균</a:t>
+            </a:r>
+          </a:p>
+        </p:txBody>
+      </p:sp>
+    </p:spTree>
+    <p:extLst>
+      <p:ext uri="{BB962C8B-B14F-4D97-AF65-F5344CB8AC3E}">
+        <p14:creationId xmlns:p14="http://schemas.microsoft.com/office/powerpoint/2010/main" val="175412133"/>
+      </p:ext>
+    </p:extLst>
+  </p:cSld>
+  <p:clrMapOvr>
+    <a:masterClrMapping/>
+  </p:clrMapOvr>
+</p:sld>
+</file>
+
+<file path=ppt/slides/slide32.xml><?xml version="1.0" encoding="utf-8"?>
+<p:sld xmlns:a="http://schemas.openxmlformats.org/drawingml/2006/main" xmlns:r="http://schemas.openxmlformats.org/officeDocument/2006/relationships" xmlns:p="http://schemas.openxmlformats.org/presentationml/2006/main">
+  <p:cSld>
+    <p:spTree>
+      <p:nvGrpSpPr>
+        <p:cNvPr id="1" name=""/>
+        <p:cNvGrpSpPr/>
+        <p:nvPr/>
+      </p:nvGrpSpPr>
+      <p:grpSpPr>
+        <a:xfrm>
+          <a:off x="0" y="0"/>
+          <a:ext cx="0" cy="0"/>
+          <a:chOff x="0" y="0"/>
+          <a:chExt cx="0" cy="0"/>
+        </a:xfrm>
+      </p:grpSpPr>
+    </p:spTree>
+    <p:extLst>
+      <p:ext uri="{BB962C8B-B14F-4D97-AF65-F5344CB8AC3E}">
+        <p14:creationId xmlns:p14="http://schemas.microsoft.com/office/powerpoint/2010/main" val="2783962437"/>
+      </p:ext>
+    </p:extLst>
+  </p:cSld>
+  <p:clrMapOvr>
+    <a:masterClrMapping/>
+  </p:clrMapOvr>
+</p:sld>
+</file>
+
+<file path=ppt/slides/slide33.xml><?xml version="1.0" encoding="utf-8"?>
+<p:sld xmlns:a="http://schemas.openxmlformats.org/drawingml/2006/main" xmlns:r="http://schemas.openxmlformats.org/officeDocument/2006/relationships" xmlns:p="http://schemas.openxmlformats.org/presentationml/2006/main">
+  <p:cSld>
+    <p:spTree>
+      <p:nvGrpSpPr>
+        <p:cNvPr id="1" name=""/>
+        <p:cNvGrpSpPr/>
+        <p:nvPr/>
+      </p:nvGrpSpPr>
+      <p:grpSpPr>
+        <a:xfrm>
+          <a:off x="0" y="0"/>
+          <a:ext cx="0" cy="0"/>
+          <a:chOff x="0" y="0"/>
+          <a:chExt cx="0" cy="0"/>
+        </a:xfrm>
+      </p:grpSpPr>
+    </p:spTree>
+    <p:extLst>
+      <p:ext uri="{BB962C8B-B14F-4D97-AF65-F5344CB8AC3E}">
+        <p14:creationId xmlns:p14="http://schemas.microsoft.com/office/powerpoint/2010/main" val="1259243534"/>
+      </p:ext>
+    </p:extLst>
+  </p:cSld>
+  <p:clrMapOvr>
+    <a:masterClrMapping/>
+  </p:clrMapOvr>
+</p:sld>
+</file>
+
+<file path=ppt/slides/slide34.xml><?xml version="1.0" encoding="utf-8"?>
+<p:sld xmlns:a="http://schemas.openxmlformats.org/drawingml/2006/main" xmlns:r="http://schemas.openxmlformats.org/officeDocument/2006/relationships" xmlns:p="http://schemas.openxmlformats.org/presentationml/2006/main">
+  <p:cSld>
+    <p:spTree>
+      <p:nvGrpSpPr>
+        <p:cNvPr id="1" name=""/>
+        <p:cNvGrpSpPr/>
+        <p:nvPr/>
+      </p:nvGrpSpPr>
+      <p:grpSpPr>
+        <a:xfrm>
+          <a:off x="0" y="0"/>
+          <a:ext cx="0" cy="0"/>
+          <a:chOff x="0" y="0"/>
+          <a:chExt cx="0" cy="0"/>
+        </a:xfrm>
+      </p:grpSpPr>
+    </p:spTree>
+    <p:extLst>
+      <p:ext uri="{BB962C8B-B14F-4D97-AF65-F5344CB8AC3E}">
+        <p14:creationId xmlns:p14="http://schemas.microsoft.com/office/powerpoint/2010/main" val="3180677313"/>
+      </p:ext>
+    </p:extLst>
+  </p:cSld>
+  <p:clrMapOvr>
+    <a:masterClrMapping/>
+  </p:clrMapOvr>
+</p:sld>
+</file>
+
+<file path=ppt/slides/slide35.xml><?xml version="1.0" encoding="utf-8"?>
+<p:sld xmlns:a="http://schemas.openxmlformats.org/drawingml/2006/main" xmlns:r="http://schemas.openxmlformats.org/officeDocument/2006/relationships" xmlns:p="http://schemas.openxmlformats.org/presentationml/2006/main">
+  <p:cSld>
+    <p:spTree>
+      <p:nvGrpSpPr>
+        <p:cNvPr id="1" name=""/>
+        <p:cNvGrpSpPr/>
+        <p:nvPr/>
+      </p:nvGrpSpPr>
+      <p:grpSpPr>
+        <a:xfrm>
+          <a:off x="0" y="0"/>
+          <a:ext cx="0" cy="0"/>
+          <a:chOff x="0" y="0"/>
+          <a:chExt cx="0" cy="0"/>
+        </a:xfrm>
+      </p:grpSpPr>
+    </p:spTree>
+    <p:extLst>
+      <p:ext uri="{BB962C8B-B14F-4D97-AF65-F5344CB8AC3E}">
+        <p14:creationId xmlns:p14="http://schemas.microsoft.com/office/powerpoint/2010/main" val="3075929694"/>
       </p:ext>
     </p:extLst>
   </p:cSld>
@@ -9083,8 +11151,8 @@
           </a:p>
         </p:txBody>
       </p:sp>
-      <mc:AlternateContent xmlns:mc="http://schemas.openxmlformats.org/markup-compatibility/2006">
-        <mc:Choice xmlns:p14="http://schemas.microsoft.com/office/powerpoint/2010/main" Requires="p14">
+      <mc:AlternateContent xmlns:mc="http://schemas.openxmlformats.org/markup-compatibility/2006" xmlns:p14="http://schemas.microsoft.com/office/powerpoint/2010/main">
+        <mc:Choice Requires="p14">
           <p:contentPart p14:bwMode="auto" r:id="rId4">
             <p14:nvContentPartPr>
               <p14:cNvPr id="8" name="잉크 7">
@@ -9103,7 +11171,7 @@
             </p14:xfrm>
           </p:contentPart>
         </mc:Choice>
-        <mc:Fallback>
+        <mc:Fallback xmlns="">
           <p:pic>
             <p:nvPicPr>
               <p:cNvPr id="8" name="잉크 7">
@@ -9134,8 +11202,8 @@
           </p:pic>
         </mc:Fallback>
       </mc:AlternateContent>
-      <mc:AlternateContent xmlns:mc="http://schemas.openxmlformats.org/markup-compatibility/2006">
-        <mc:Choice xmlns:p14="http://schemas.microsoft.com/office/powerpoint/2010/main" Requires="p14">
+      <mc:AlternateContent xmlns:mc="http://schemas.openxmlformats.org/markup-compatibility/2006" xmlns:p14="http://schemas.microsoft.com/office/powerpoint/2010/main">
+        <mc:Choice Requires="p14">
           <p:contentPart p14:bwMode="auto" r:id="rId6">
             <p14:nvContentPartPr>
               <p14:cNvPr id="10" name="잉크 9">
@@ -9154,7 +11222,7 @@
             </p14:xfrm>
           </p:contentPart>
         </mc:Choice>
-        <mc:Fallback>
+        <mc:Fallback xmlns="">
           <p:pic>
             <p:nvPicPr>
               <p:cNvPr id="10" name="잉크 9">
@@ -9185,8 +11253,8 @@
           </p:pic>
         </mc:Fallback>
       </mc:AlternateContent>
-      <mc:AlternateContent xmlns:mc="http://schemas.openxmlformats.org/markup-compatibility/2006">
-        <mc:Choice xmlns:p14="http://schemas.microsoft.com/office/powerpoint/2010/main" Requires="p14">
+      <mc:AlternateContent xmlns:mc="http://schemas.openxmlformats.org/markup-compatibility/2006" xmlns:p14="http://schemas.microsoft.com/office/powerpoint/2010/main">
+        <mc:Choice Requires="p14">
           <p:contentPart p14:bwMode="auto" r:id="rId8">
             <p14:nvContentPartPr>
               <p14:cNvPr id="11" name="잉크 10">
@@ -9205,7 +11273,7 @@
             </p14:xfrm>
           </p:contentPart>
         </mc:Choice>
-        <mc:Fallback>
+        <mc:Fallback xmlns="">
           <p:pic>
             <p:nvPicPr>
               <p:cNvPr id="11" name="잉크 10">
@@ -9236,8 +11304,8 @@
           </p:pic>
         </mc:Fallback>
       </mc:AlternateContent>
-      <mc:AlternateContent xmlns:mc="http://schemas.openxmlformats.org/markup-compatibility/2006">
-        <mc:Choice xmlns:p14="http://schemas.microsoft.com/office/powerpoint/2010/main" Requires="p14">
+      <mc:AlternateContent xmlns:mc="http://schemas.openxmlformats.org/markup-compatibility/2006" xmlns:p14="http://schemas.microsoft.com/office/powerpoint/2010/main">
+        <mc:Choice Requires="p14">
           <p:contentPart p14:bwMode="auto" r:id="rId10">
             <p14:nvContentPartPr>
               <p14:cNvPr id="12" name="잉크 11">
@@ -9256,7 +11324,7 @@
             </p14:xfrm>
           </p:contentPart>
         </mc:Choice>
-        <mc:Fallback>
+        <mc:Fallback xmlns="">
           <p:pic>
             <p:nvPicPr>
               <p:cNvPr id="12" name="잉크 11">
@@ -9549,8 +11617,8 @@
           </a:prstGeom>
         </p:spPr>
       </p:pic>
-      <mc:AlternateContent xmlns:mc="http://schemas.openxmlformats.org/markup-compatibility/2006">
-        <mc:Choice xmlns:p14="http://schemas.microsoft.com/office/powerpoint/2010/main" Requires="p14">
+      <mc:AlternateContent xmlns:mc="http://schemas.openxmlformats.org/markup-compatibility/2006" xmlns:p14="http://schemas.microsoft.com/office/powerpoint/2010/main">
+        <mc:Choice Requires="p14">
           <p:contentPart p14:bwMode="auto" r:id="rId5">
             <p14:nvContentPartPr>
               <p14:cNvPr id="2" name="잉크 1">
@@ -9569,7 +11637,7 @@
             </p14:xfrm>
           </p:contentPart>
         </mc:Choice>
-        <mc:Fallback>
+        <mc:Fallback xmlns="">
           <p:pic>
             <p:nvPicPr>
               <p:cNvPr id="2" name="잉크 1">
@@ -9600,8 +11668,8 @@
           </p:pic>
         </mc:Fallback>
       </mc:AlternateContent>
-      <mc:AlternateContent xmlns:mc="http://schemas.openxmlformats.org/markup-compatibility/2006">
-        <mc:Choice xmlns:p14="http://schemas.microsoft.com/office/powerpoint/2010/main" Requires="p14">
+      <mc:AlternateContent xmlns:mc="http://schemas.openxmlformats.org/markup-compatibility/2006" xmlns:p14="http://schemas.microsoft.com/office/powerpoint/2010/main">
+        <mc:Choice Requires="p14">
           <p:contentPart p14:bwMode="auto" r:id="rId7">
             <p14:nvContentPartPr>
               <p14:cNvPr id="3" name="잉크 2">
@@ -9620,7 +11688,7 @@
             </p14:xfrm>
           </p:contentPart>
         </mc:Choice>
-        <mc:Fallback>
+        <mc:Fallback xmlns="">
           <p:pic>
             <p:nvPicPr>
               <p:cNvPr id="3" name="잉크 2">
@@ -9651,8 +11719,8 @@
           </p:pic>
         </mc:Fallback>
       </mc:AlternateContent>
-      <mc:AlternateContent xmlns:mc="http://schemas.openxmlformats.org/markup-compatibility/2006">
-        <mc:Choice xmlns:p14="http://schemas.microsoft.com/office/powerpoint/2010/main" Requires="p14">
+      <mc:AlternateContent xmlns:mc="http://schemas.openxmlformats.org/markup-compatibility/2006" xmlns:p14="http://schemas.microsoft.com/office/powerpoint/2010/main">
+        <mc:Choice Requires="p14">
           <p:contentPart p14:bwMode="auto" r:id="rId9">
             <p14:nvContentPartPr>
               <p14:cNvPr id="4" name="잉크 3">
@@ -9671,7 +11739,7 @@
             </p14:xfrm>
           </p:contentPart>
         </mc:Choice>
-        <mc:Fallback>
+        <mc:Fallback xmlns="">
           <p:pic>
             <p:nvPicPr>
               <p:cNvPr id="4" name="잉크 3">
@@ -9702,8 +11770,8 @@
           </p:pic>
         </mc:Fallback>
       </mc:AlternateContent>
-      <mc:AlternateContent xmlns:mc="http://schemas.openxmlformats.org/markup-compatibility/2006">
-        <mc:Choice xmlns:p14="http://schemas.microsoft.com/office/powerpoint/2010/main" Requires="p14">
+      <mc:AlternateContent xmlns:mc="http://schemas.openxmlformats.org/markup-compatibility/2006" xmlns:p14="http://schemas.microsoft.com/office/powerpoint/2010/main">
+        <mc:Choice Requires="p14">
           <p:contentPart p14:bwMode="auto" r:id="rId11">
             <p14:nvContentPartPr>
               <p14:cNvPr id="6" name="잉크 5">
@@ -9722,7 +11790,7 @@
             </p14:xfrm>
           </p:contentPart>
         </mc:Choice>
-        <mc:Fallback>
+        <mc:Fallback xmlns="">
           <p:pic>
             <p:nvPicPr>
               <p:cNvPr id="6" name="잉크 5">
@@ -9866,8 +11934,8 @@
           </a:p>
         </p:txBody>
       </p:sp>
-      <mc:AlternateContent xmlns:mc="http://schemas.openxmlformats.org/markup-compatibility/2006">
-        <mc:Choice xmlns:p14="http://schemas.microsoft.com/office/powerpoint/2010/main" Requires="p14">
+      <mc:AlternateContent xmlns:mc="http://schemas.openxmlformats.org/markup-compatibility/2006" xmlns:p14="http://schemas.microsoft.com/office/powerpoint/2010/main">
+        <mc:Choice Requires="p14">
           <p:contentPart p14:bwMode="auto" r:id="rId3">
             <p14:nvContentPartPr>
               <p14:cNvPr id="4" name="잉크 3">
@@ -9886,7 +11954,7 @@
             </p14:xfrm>
           </p:contentPart>
         </mc:Choice>
-        <mc:Fallback>
+        <mc:Fallback xmlns="">
           <p:pic>
             <p:nvPicPr>
               <p:cNvPr id="4" name="잉크 3">
@@ -9917,8 +11985,8 @@
           </p:pic>
         </mc:Fallback>
       </mc:AlternateContent>
-      <mc:AlternateContent xmlns:mc="http://schemas.openxmlformats.org/markup-compatibility/2006">
-        <mc:Choice xmlns:p14="http://schemas.microsoft.com/office/powerpoint/2010/main" Requires="p14">
+      <mc:AlternateContent xmlns:mc="http://schemas.openxmlformats.org/markup-compatibility/2006" xmlns:p14="http://schemas.microsoft.com/office/powerpoint/2010/main">
+        <mc:Choice Requires="p14">
           <p:contentPart p14:bwMode="auto" r:id="rId5">
             <p14:nvContentPartPr>
               <p14:cNvPr id="5" name="잉크 4">
@@ -9937,7 +12005,7 @@
             </p14:xfrm>
           </p:contentPart>
         </mc:Choice>
-        <mc:Fallback>
+        <mc:Fallback xmlns="">
           <p:pic>
             <p:nvPicPr>
               <p:cNvPr id="5" name="잉크 4">
@@ -10561,8 +12629,8 @@
           </a:p>
         </p:txBody>
       </p:sp>
-      <mc:AlternateContent xmlns:mc="http://schemas.openxmlformats.org/markup-compatibility/2006">
-        <mc:Choice xmlns:p14="http://schemas.microsoft.com/office/powerpoint/2010/main" Requires="p14">
+      <mc:AlternateContent xmlns:mc="http://schemas.openxmlformats.org/markup-compatibility/2006" xmlns:p14="http://schemas.microsoft.com/office/powerpoint/2010/main">
+        <mc:Choice Requires="p14">
           <p:contentPart p14:bwMode="auto" r:id="rId4">
             <p14:nvContentPartPr>
               <p14:cNvPr id="7" name="잉크 6">
@@ -10581,7 +12649,7 @@
             </p14:xfrm>
           </p:contentPart>
         </mc:Choice>
-        <mc:Fallback>
+        <mc:Fallback xmlns="">
           <p:pic>
             <p:nvPicPr>
               <p:cNvPr id="7" name="잉크 6">
@@ -10612,8 +12680,8 @@
           </p:pic>
         </mc:Fallback>
       </mc:AlternateContent>
-      <mc:AlternateContent xmlns:mc="http://schemas.openxmlformats.org/markup-compatibility/2006">
-        <mc:Choice xmlns:p14="http://schemas.microsoft.com/office/powerpoint/2010/main" Requires="p14">
+      <mc:AlternateContent xmlns:mc="http://schemas.openxmlformats.org/markup-compatibility/2006" xmlns:p14="http://schemas.microsoft.com/office/powerpoint/2010/main">
+        <mc:Choice Requires="p14">
           <p:contentPart p14:bwMode="auto" r:id="rId6">
             <p14:nvContentPartPr>
               <p14:cNvPr id="8" name="잉크 7">
@@ -10632,7 +12700,7 @@
             </p14:xfrm>
           </p:contentPart>
         </mc:Choice>
-        <mc:Fallback>
+        <mc:Fallback xmlns="">
           <p:pic>
             <p:nvPicPr>
               <p:cNvPr id="8" name="잉크 7">
@@ -10999,8 +13067,8 @@
           </a:p>
         </p:txBody>
       </p:sp>
-      <mc:AlternateContent xmlns:mc="http://schemas.openxmlformats.org/markup-compatibility/2006">
-        <mc:Choice xmlns:p14="http://schemas.microsoft.com/office/powerpoint/2010/main" Requires="p14">
+      <mc:AlternateContent xmlns:mc="http://schemas.openxmlformats.org/markup-compatibility/2006" xmlns:p14="http://schemas.microsoft.com/office/powerpoint/2010/main">
+        <mc:Choice Requires="p14">
           <p:contentPart p14:bwMode="auto" r:id="rId3">
             <p14:nvContentPartPr>
               <p14:cNvPr id="3" name="잉크 2">
@@ -11019,7 +13087,7 @@
             </p14:xfrm>
           </p:contentPart>
         </mc:Choice>
-        <mc:Fallback>
+        <mc:Fallback xmlns="">
           <p:pic>
             <p:nvPicPr>
               <p:cNvPr id="3" name="잉크 2">
@@ -11050,8 +13118,8 @@
           </p:pic>
         </mc:Fallback>
       </mc:AlternateContent>
-      <mc:AlternateContent xmlns:mc="http://schemas.openxmlformats.org/markup-compatibility/2006">
-        <mc:Choice xmlns:p14="http://schemas.microsoft.com/office/powerpoint/2010/main" Requires="p14">
+      <mc:AlternateContent xmlns:mc="http://schemas.openxmlformats.org/markup-compatibility/2006" xmlns:p14="http://schemas.microsoft.com/office/powerpoint/2010/main">
+        <mc:Choice Requires="p14">
           <p:contentPart p14:bwMode="auto" r:id="rId5">
             <p14:nvContentPartPr>
               <p14:cNvPr id="4" name="잉크 3">
@@ -11070,7 +13138,7 @@
             </p14:xfrm>
           </p:contentPart>
         </mc:Choice>
-        <mc:Fallback>
+        <mc:Fallback xmlns="">
           <p:pic>
             <p:nvPicPr>
               <p:cNvPr id="4" name="잉크 3">
@@ -11101,8 +13169,8 @@
           </p:pic>
         </mc:Fallback>
       </mc:AlternateContent>
-      <mc:AlternateContent xmlns:mc="http://schemas.openxmlformats.org/markup-compatibility/2006">
-        <mc:Choice xmlns:p14="http://schemas.microsoft.com/office/powerpoint/2010/main" Requires="p14">
+      <mc:AlternateContent xmlns:mc="http://schemas.openxmlformats.org/markup-compatibility/2006" xmlns:p14="http://schemas.microsoft.com/office/powerpoint/2010/main">
+        <mc:Choice Requires="p14">
           <p:contentPart p14:bwMode="auto" r:id="rId7">
             <p14:nvContentPartPr>
               <p14:cNvPr id="5" name="잉크 4">
@@ -11121,7 +13189,7 @@
             </p14:xfrm>
           </p:contentPart>
         </mc:Choice>
-        <mc:Fallback>
+        <mc:Fallback xmlns="">
           <p:pic>
             <p:nvPicPr>
               <p:cNvPr id="5" name="잉크 4">
@@ -11152,8 +13220,8 @@
           </p:pic>
         </mc:Fallback>
       </mc:AlternateContent>
-      <mc:AlternateContent xmlns:mc="http://schemas.openxmlformats.org/markup-compatibility/2006">
-        <mc:Choice xmlns:p14="http://schemas.microsoft.com/office/powerpoint/2010/main" Requires="p14">
+      <mc:AlternateContent xmlns:mc="http://schemas.openxmlformats.org/markup-compatibility/2006" xmlns:p14="http://schemas.microsoft.com/office/powerpoint/2010/main">
+        <mc:Choice Requires="p14">
           <p:contentPart p14:bwMode="auto" r:id="rId9">
             <p14:nvContentPartPr>
               <p14:cNvPr id="6" name="잉크 5">
@@ -11172,7 +13240,7 @@
             </p14:xfrm>
           </p:contentPart>
         </mc:Choice>
-        <mc:Fallback>
+        <mc:Fallback xmlns="">
           <p:pic>
             <p:nvPicPr>
               <p:cNvPr id="6" name="잉크 5">
@@ -11203,8 +13271,8 @@
           </p:pic>
         </mc:Fallback>
       </mc:AlternateContent>
-      <mc:AlternateContent xmlns:mc="http://schemas.openxmlformats.org/markup-compatibility/2006">
-        <mc:Choice xmlns:p14="http://schemas.microsoft.com/office/powerpoint/2010/main" Requires="p14">
+      <mc:AlternateContent xmlns:mc="http://schemas.openxmlformats.org/markup-compatibility/2006" xmlns:p14="http://schemas.microsoft.com/office/powerpoint/2010/main">
+        <mc:Choice Requires="p14">
           <p:contentPart p14:bwMode="auto" r:id="rId11">
             <p14:nvContentPartPr>
               <p14:cNvPr id="8" name="잉크 7">
@@ -11223,7 +13291,7 @@
             </p14:xfrm>
           </p:contentPart>
         </mc:Choice>
-        <mc:Fallback>
+        <mc:Fallback xmlns="">
           <p:pic>
             <p:nvPicPr>
               <p:cNvPr id="8" name="잉크 7">
